--- a/Azure Cosmos DB - Ratomir Vukadin.pptx
+++ b/Azure Cosmos DB - Ratomir Vukadin.pptx
@@ -5,10 +5,10 @@
     <p:sldMasterId id="2147484229" r:id="rId4"/>
   </p:sldMasterIdLst>
   <p:notesMasterIdLst>
-    <p:notesMasterId r:id="rId27"/>
+    <p:notesMasterId r:id="rId28"/>
   </p:notesMasterIdLst>
   <p:handoutMasterIdLst>
-    <p:handoutMasterId r:id="rId28"/>
+    <p:handoutMasterId r:id="rId29"/>
   </p:handoutMasterIdLst>
   <p:sldIdLst>
     <p:sldId id="1519" r:id="rId5"/>
@@ -32,7 +32,8 @@
     <p:sldId id="1554" r:id="rId23"/>
     <p:sldId id="1555" r:id="rId24"/>
     <p:sldId id="1527" r:id="rId25"/>
-    <p:sldId id="1532" r:id="rId26"/>
+    <p:sldId id="1565" r:id="rId26"/>
+    <p:sldId id="1532" r:id="rId27"/>
   </p:sldIdLst>
   <p:sldSz cx="12436475" cy="6994525"/>
   <p:notesSz cx="6858000" cy="9144000"/>
@@ -160,6 +161,7 @@
             <p14:sldId id="1554"/>
             <p14:sldId id="1555"/>
             <p14:sldId id="1527"/>
+            <p14:sldId id="1565"/>
             <p14:sldId id="1532"/>
           </p14:sldIdLst>
         </p14:section>
@@ -308,7 +310,7 @@
                 <a:latin typeface="Segoe UI" pitchFamily="34" charset="0"/>
               </a:rPr>
               <a:pPr/>
-              <a:t>4/20/2018 09:17 AM</a:t>
+              <a:t>4/21/2018 12:43 PM</a:t>
             </a:fld>
             <a:endParaRPr lang="en-US" dirty="0">
               <a:latin typeface="Segoe UI" pitchFamily="34" charset="0"/>
@@ -604,7 +606,7 @@
             <a:fld id="{D18B56EA-E28F-4F92-9F16-7A6F2501B303}" type="datetime8">
               <a:rPr lang="en-US" smtClean="0"/>
               <a:pPr/>
-              <a:t>4/20/2018 09:17 AM</a:t>
+              <a:t>4/21/2018 12:43 PM</a:t>
             </a:fld>
             <a:endParaRPr lang="en-US" dirty="0"/>
           </a:p>
@@ -988,7 +990,7 @@
             <a:fld id="{8683C9CD-37C6-4B53-B210-CC8F66F90493}" type="datetime8">
               <a:rPr lang="en-US" smtClean="0"/>
               <a:pPr/>
-              <a:t>4/20/2018 09:17 AM</a:t>
+              <a:t>4/21/2018 12:43 PM</a:t>
             </a:fld>
             <a:endParaRPr lang="en-US" dirty="0"/>
           </a:p>
@@ -1170,7 +1172,7 @@
             <a:fld id="{D18B56EA-E28F-4F92-9F16-7A6F2501B303}" type="datetime8">
               <a:rPr lang="en-US" smtClean="0"/>
               <a:pPr/>
-              <a:t>4/20/2018 10:41 AM</a:t>
+              <a:t>4/21/2018 12:43 PM</a:t>
             </a:fld>
             <a:endParaRPr lang="en-US" dirty="0"/>
           </a:p>
@@ -1352,7 +1354,7 @@
             <a:fld id="{FD545570-6992-4320-BEFC-9262493433EC}" type="datetime8">
               <a:rPr lang="en-US" smtClean="0"/>
               <a:pPr/>
-              <a:t>4/20/2018 09:17 AM</a:t>
+              <a:t>4/21/2018 12:43 PM</a:t>
             </a:fld>
             <a:endParaRPr lang="en-US" dirty="0"/>
           </a:p>
@@ -1534,7 +1536,7 @@
             <a:fld id="{627F603A-779F-4101-9B83-C34650C566A7}" type="datetime8">
               <a:rPr lang="en-US" smtClean="0"/>
               <a:pPr/>
-              <a:t>4/20/2018 09:17 AM</a:t>
+              <a:t>4/21/2018 12:43 PM</a:t>
             </a:fld>
             <a:endParaRPr lang="en-US" dirty="0"/>
           </a:p>
@@ -1685,7 +1687,7 @@
                 </a:solidFill>
               </a:rPr>
               <a:pPr/>
-              <a:t>4/20/2018 09:17 AM</a:t>
+              <a:t>4/21/2018 12:43 PM</a:t>
             </a:fld>
             <a:endParaRPr lang="en-US" dirty="0">
               <a:solidFill>
@@ -1717,7 +1719,7 @@
                 </a:solidFill>
               </a:rPr>
               <a:pPr/>
-              <a:t>22</a:t>
+              <a:t>23</a:t>
             </a:fld>
             <a:endParaRPr lang="en-US" dirty="0">
               <a:solidFill>
@@ -1933,7 +1935,7 @@
             <a:fld id="{D18B56EA-E28F-4F92-9F16-7A6F2501B303}" type="datetime8">
               <a:rPr lang="en-US" smtClean="0"/>
               <a:pPr/>
-              <a:t>4/20/2018 09:17 AM</a:t>
+              <a:t>4/21/2018 12:43 PM</a:t>
             </a:fld>
             <a:endParaRPr lang="en-US" dirty="0"/>
           </a:p>
@@ -2115,7 +2117,7 @@
             <a:fld id="{D18B56EA-E28F-4F92-9F16-7A6F2501B303}" type="datetime8">
               <a:rPr lang="en-US" smtClean="0"/>
               <a:pPr/>
-              <a:t>4/20/2018 09:18 AM</a:t>
+              <a:t>4/21/2018 12:43 PM</a:t>
             </a:fld>
             <a:endParaRPr lang="en-US" dirty="0"/>
           </a:p>
@@ -2297,7 +2299,7 @@
             <a:fld id="{C9F26854-F9AE-4E32-B2A5-59EE421C280D}" type="datetime8">
               <a:rPr lang="en-US" smtClean="0"/>
               <a:pPr/>
-              <a:t>4/20/2018 09:17 AM</a:t>
+              <a:t>4/21/2018 12:43 PM</a:t>
             </a:fld>
             <a:endParaRPr lang="en-US" dirty="0"/>
           </a:p>
@@ -2479,7 +2481,7 @@
             <a:fld id="{D18B56EA-E28F-4F92-9F16-7A6F2501B303}" type="datetime8">
               <a:rPr lang="en-US" smtClean="0"/>
               <a:pPr/>
-              <a:t>4/20/2018 10:08 AM</a:t>
+              <a:t>4/21/2018 12:43 PM</a:t>
             </a:fld>
             <a:endParaRPr lang="en-US" dirty="0"/>
           </a:p>
@@ -2612,7 +2614,7 @@
             <a:fld id="{C279D0AF-5102-465F-9774-3BAAD6555D09}" type="datetime8">
               <a:rPr lang="en-US" smtClean="0"/>
               <a:pPr/>
-              <a:t>4/20/2018 09:50 AM</a:t>
+              <a:t>4/21/2018 12:43 PM</a:t>
             </a:fld>
             <a:endParaRPr lang="en-US" dirty="0"/>
           </a:p>
@@ -2847,7 +2849,7 @@
             <a:fld id="{D18B56EA-E28F-4F92-9F16-7A6F2501B303}" type="datetime8">
               <a:rPr lang="en-US" smtClean="0"/>
               <a:pPr/>
-              <a:t>4/20/2018 09:17 AM</a:t>
+              <a:t>4/21/2018 12:43 PM</a:t>
             </a:fld>
             <a:endParaRPr lang="en-US" dirty="0"/>
           </a:p>
@@ -2982,7 +2984,7 @@
             <a:fld id="{26EED51F-96EB-4E4E-9B3B-EAE92F3CF0A4}" type="datetime8">
               <a:rPr lang="en-US" smtClean="0"/>
               <a:pPr/>
-              <a:t>4/20/2018 09:17 AM</a:t>
+              <a:t>4/21/2018 12:43 PM</a:t>
             </a:fld>
             <a:endParaRPr lang="en-US" dirty="0"/>
           </a:p>
@@ -3245,7 +3247,7 @@
             <a:fld id="{D18B56EA-E28F-4F92-9F16-7A6F2501B303}" type="datetime8">
               <a:rPr lang="en-US" smtClean="0"/>
               <a:pPr/>
-              <a:t>4/20/2018 10:26 AM</a:t>
+              <a:t>4/21/2018 12:43 PM</a:t>
             </a:fld>
             <a:endParaRPr lang="en-US" dirty="0"/>
           </a:p>
@@ -3503,14 +3505,14 @@
           </a:ln>
           <a:extLst>
             <a:ext uri="{909E8E84-426E-40dd-AFC4-6F175D3DCCD1}">
-              <a14:hiddenFill xmlns="" xmlns:a14="http://schemas.microsoft.com/office/drawing/2010/main">
+              <a14:hiddenFill xmlns:a14="http://schemas.microsoft.com/office/drawing/2010/main" xmlns="">
                 <a:solidFill>
                   <a:srgbClr val="FFFFFF"/>
                 </a:solidFill>
               </a14:hiddenFill>
             </a:ext>
             <a:ext uri="{91240B29-F687-4f45-9708-019B960494DF}">
-              <a14:hiddenLine xmlns="" xmlns:a14="http://schemas.microsoft.com/office/drawing/2010/main" w="9525">
+              <a14:hiddenLine xmlns:a14="http://schemas.microsoft.com/office/drawing/2010/main" xmlns="" w="9525">
                 <a:solidFill>
                   <a:srgbClr val="000000"/>
                 </a:solidFill>
@@ -4876,7 +4878,7 @@
               </a:ln>
               <a:extLst>
                 <a:ext uri="{91240B29-F687-4f45-9708-019B960494DF}">
-                  <a14:hiddenLine xmlns="" xmlns:a14="http://schemas.microsoft.com/office/drawing/2010/main" w="9525">
+                  <a14:hiddenLine xmlns:a14="http://schemas.microsoft.com/office/drawing/2010/main" xmlns="" w="9525">
                     <a:solidFill>
                       <a:srgbClr val="000000"/>
                     </a:solidFill>
@@ -4923,7 +4925,7 @@
               </a:ln>
               <a:extLst>
                 <a:ext uri="{91240B29-F687-4f45-9708-019B960494DF}">
-                  <a14:hiddenLine xmlns="" xmlns:a14="http://schemas.microsoft.com/office/drawing/2010/main" w="9525">
+                  <a14:hiddenLine xmlns:a14="http://schemas.microsoft.com/office/drawing/2010/main" xmlns="" w="9525">
                     <a:solidFill>
                       <a:srgbClr val="000000"/>
                     </a:solidFill>
@@ -4970,7 +4972,7 @@
               </a:ln>
               <a:extLst>
                 <a:ext uri="{91240B29-F687-4f45-9708-019B960494DF}">
-                  <a14:hiddenLine xmlns="" xmlns:a14="http://schemas.microsoft.com/office/drawing/2010/main" w="9525">
+                  <a14:hiddenLine xmlns:a14="http://schemas.microsoft.com/office/drawing/2010/main" xmlns="" w="9525">
                     <a:solidFill>
                       <a:srgbClr val="000000"/>
                     </a:solidFill>
@@ -5015,14 +5017,14 @@
               </a:ln>
               <a:extLst>
                 <a:ext uri="{909E8E84-426E-40dd-AFC4-6F175D3DCCD1}">
-                  <a14:hiddenFill xmlns="" xmlns:a14="http://schemas.microsoft.com/office/drawing/2010/main">
+                  <a14:hiddenFill xmlns:a14="http://schemas.microsoft.com/office/drawing/2010/main" xmlns="">
                     <a:solidFill>
                       <a:srgbClr val="FFFFFF"/>
                     </a:solidFill>
                   </a14:hiddenFill>
                 </a:ext>
                 <a:ext uri="{91240B29-F687-4f45-9708-019B960494DF}">
-                  <a14:hiddenLine xmlns="" xmlns:a14="http://schemas.microsoft.com/office/drawing/2010/main" w="9525">
+                  <a14:hiddenLine xmlns:a14="http://schemas.microsoft.com/office/drawing/2010/main" xmlns="" w="9525">
                     <a:solidFill>
                       <a:srgbClr val="000000"/>
                     </a:solidFill>
@@ -5120,7 +5122,7 @@
               </a:ln>
               <a:extLst>
                 <a:ext uri="{91240B29-F687-4f45-9708-019B960494DF}">
-                  <a14:hiddenLine xmlns="" xmlns:a14="http://schemas.microsoft.com/office/drawing/2010/main" w="9525">
+                  <a14:hiddenLine xmlns:a14="http://schemas.microsoft.com/office/drawing/2010/main" xmlns="" w="9525">
                     <a:solidFill>
                       <a:srgbClr val="000000"/>
                     </a:solidFill>
@@ -5215,14 +5217,14 @@
               </a:ln>
               <a:extLst>
                 <a:ext uri="{909E8E84-426E-40dd-AFC4-6F175D3DCCD1}">
-                  <a14:hiddenFill xmlns="" xmlns:a14="http://schemas.microsoft.com/office/drawing/2010/main">
+                  <a14:hiddenFill xmlns:a14="http://schemas.microsoft.com/office/drawing/2010/main" xmlns="">
                     <a:solidFill>
                       <a:srgbClr val="FFFFFF"/>
                     </a:solidFill>
                   </a14:hiddenFill>
                 </a:ext>
                 <a:ext uri="{91240B29-F687-4f45-9708-019B960494DF}">
-                  <a14:hiddenLine xmlns="" xmlns:a14="http://schemas.microsoft.com/office/drawing/2010/main" w="9525">
+                  <a14:hiddenLine xmlns:a14="http://schemas.microsoft.com/office/drawing/2010/main" xmlns="" w="9525">
                     <a:solidFill>
                       <a:srgbClr val="000000"/>
                     </a:solidFill>
@@ -5269,7 +5271,7 @@
               </a:ln>
               <a:extLst>
                 <a:ext uri="{91240B29-F687-4f45-9708-019B960494DF}">
-                  <a14:hiddenLine xmlns="" xmlns:a14="http://schemas.microsoft.com/office/drawing/2010/main" w="9525">
+                  <a14:hiddenLine xmlns:a14="http://schemas.microsoft.com/office/drawing/2010/main" xmlns="" w="9525">
                     <a:solidFill>
                       <a:srgbClr val="000000"/>
                     </a:solidFill>
@@ -5367,7 +5369,7 @@
               </a:ln>
               <a:extLst>
                 <a:ext uri="{91240B29-F687-4f45-9708-019B960494DF}">
-                  <a14:hiddenLine xmlns="" xmlns:a14="http://schemas.microsoft.com/office/drawing/2010/main" w="9525">
+                  <a14:hiddenLine xmlns:a14="http://schemas.microsoft.com/office/drawing/2010/main" xmlns="" w="9525">
                     <a:solidFill>
                       <a:srgbClr val="000000"/>
                     </a:solidFill>
@@ -5414,7 +5416,7 @@
               </a:ln>
               <a:extLst>
                 <a:ext uri="{91240B29-F687-4f45-9708-019B960494DF}">
-                  <a14:hiddenLine xmlns="" xmlns:a14="http://schemas.microsoft.com/office/drawing/2010/main" w="9525">
+                  <a14:hiddenLine xmlns:a14="http://schemas.microsoft.com/office/drawing/2010/main" xmlns="" w="9525">
                     <a:solidFill>
                       <a:srgbClr val="000000"/>
                     </a:solidFill>
@@ -5461,7 +5463,7 @@
               </a:ln>
               <a:extLst>
                 <a:ext uri="{91240B29-F687-4f45-9708-019B960494DF}">
-                  <a14:hiddenLine xmlns="" xmlns:a14="http://schemas.microsoft.com/office/drawing/2010/main" w="9525">
+                  <a14:hiddenLine xmlns:a14="http://schemas.microsoft.com/office/drawing/2010/main" xmlns="" w="9525">
                     <a:solidFill>
                       <a:srgbClr val="000000"/>
                     </a:solidFill>
@@ -5508,7 +5510,7 @@
               </a:ln>
               <a:extLst>
                 <a:ext uri="{91240B29-F687-4f45-9708-019B960494DF}">
-                  <a14:hiddenLine xmlns="" xmlns:a14="http://schemas.microsoft.com/office/drawing/2010/main" w="9525">
+                  <a14:hiddenLine xmlns:a14="http://schemas.microsoft.com/office/drawing/2010/main" xmlns="" w="9525">
                     <a:solidFill>
                       <a:srgbClr val="000000"/>
                     </a:solidFill>
@@ -5634,7 +5636,7 @@
               </a:ln>
               <a:extLst>
                 <a:ext uri="{91240B29-F687-4f45-9708-019B960494DF}">
-                  <a14:hiddenLine xmlns="" xmlns:a14="http://schemas.microsoft.com/office/drawing/2010/main" w="9525">
+                  <a14:hiddenLine xmlns:a14="http://schemas.microsoft.com/office/drawing/2010/main" xmlns="" w="9525">
                     <a:solidFill>
                       <a:srgbClr val="000000"/>
                     </a:solidFill>
@@ -5760,7 +5762,7 @@
               </a:ln>
               <a:extLst>
                 <a:ext uri="{91240B29-F687-4f45-9708-019B960494DF}">
-                  <a14:hiddenLine xmlns="" xmlns:a14="http://schemas.microsoft.com/office/drawing/2010/main" w="9525">
+                  <a14:hiddenLine xmlns:a14="http://schemas.microsoft.com/office/drawing/2010/main" xmlns="" w="9525">
                     <a:solidFill>
                       <a:srgbClr val="000000"/>
                     </a:solidFill>
@@ -5886,7 +5888,7 @@
               </a:ln>
               <a:extLst>
                 <a:ext uri="{91240B29-F687-4f45-9708-019B960494DF}">
-                  <a14:hiddenLine xmlns="" xmlns:a14="http://schemas.microsoft.com/office/drawing/2010/main" w="9525">
+                  <a14:hiddenLine xmlns:a14="http://schemas.microsoft.com/office/drawing/2010/main" xmlns="" w="9525">
                     <a:solidFill>
                       <a:srgbClr val="000000"/>
                     </a:solidFill>
@@ -6012,7 +6014,7 @@
               </a:ln>
               <a:extLst>
                 <a:ext uri="{91240B29-F687-4f45-9708-019B960494DF}">
-                  <a14:hiddenLine xmlns="" xmlns:a14="http://schemas.microsoft.com/office/drawing/2010/main" w="9525">
+                  <a14:hiddenLine xmlns:a14="http://schemas.microsoft.com/office/drawing/2010/main" xmlns="" w="9525">
                     <a:solidFill>
                       <a:srgbClr val="000000"/>
                     </a:solidFill>
@@ -6138,7 +6140,7 @@
               </a:ln>
               <a:extLst>
                 <a:ext uri="{91240B29-F687-4f45-9708-019B960494DF}">
-                  <a14:hiddenLine xmlns="" xmlns:a14="http://schemas.microsoft.com/office/drawing/2010/main" w="9525">
+                  <a14:hiddenLine xmlns:a14="http://schemas.microsoft.com/office/drawing/2010/main" xmlns="" w="9525">
                     <a:solidFill>
                       <a:srgbClr val="000000"/>
                     </a:solidFill>
@@ -6264,7 +6266,7 @@
               </a:ln>
               <a:extLst>
                 <a:ext uri="{91240B29-F687-4f45-9708-019B960494DF}">
-                  <a14:hiddenLine xmlns="" xmlns:a14="http://schemas.microsoft.com/office/drawing/2010/main" w="9525">
+                  <a14:hiddenLine xmlns:a14="http://schemas.microsoft.com/office/drawing/2010/main" xmlns="" w="9525">
                     <a:solidFill>
                       <a:srgbClr val="000000"/>
                     </a:solidFill>
@@ -6311,7 +6313,7 @@
               </a:ln>
               <a:extLst>
                 <a:ext uri="{91240B29-F687-4f45-9708-019B960494DF}">
-                  <a14:hiddenLine xmlns="" xmlns:a14="http://schemas.microsoft.com/office/drawing/2010/main" w="9525">
+                  <a14:hiddenLine xmlns:a14="http://schemas.microsoft.com/office/drawing/2010/main" xmlns="" w="9525">
                     <a:solidFill>
                       <a:srgbClr val="000000"/>
                     </a:solidFill>
@@ -6358,7 +6360,7 @@
               </a:ln>
               <a:extLst>
                 <a:ext uri="{91240B29-F687-4f45-9708-019B960494DF}">
-                  <a14:hiddenLine xmlns="" xmlns:a14="http://schemas.microsoft.com/office/drawing/2010/main" w="9525">
+                  <a14:hiddenLine xmlns:a14="http://schemas.microsoft.com/office/drawing/2010/main" xmlns="" w="9525">
                     <a:solidFill>
                       <a:srgbClr val="000000"/>
                     </a:solidFill>
@@ -6405,7 +6407,7 @@
               </a:ln>
               <a:extLst>
                 <a:ext uri="{91240B29-F687-4f45-9708-019B960494DF}">
-                  <a14:hiddenLine xmlns="" xmlns:a14="http://schemas.microsoft.com/office/drawing/2010/main" w="9525">
+                  <a14:hiddenLine xmlns:a14="http://schemas.microsoft.com/office/drawing/2010/main" xmlns="" w="9525">
                     <a:solidFill>
                       <a:srgbClr val="000000"/>
                     </a:solidFill>
@@ -6450,14 +6452,14 @@
               </a:ln>
               <a:extLst>
                 <a:ext uri="{909E8E84-426E-40dd-AFC4-6F175D3DCCD1}">
-                  <a14:hiddenFill xmlns="" xmlns:a14="http://schemas.microsoft.com/office/drawing/2010/main">
+                  <a14:hiddenFill xmlns:a14="http://schemas.microsoft.com/office/drawing/2010/main" xmlns="">
                     <a:solidFill>
                       <a:srgbClr val="FFFFFF"/>
                     </a:solidFill>
                   </a14:hiddenFill>
                 </a:ext>
                 <a:ext uri="{91240B29-F687-4f45-9708-019B960494DF}">
-                  <a14:hiddenLine xmlns="" xmlns:a14="http://schemas.microsoft.com/office/drawing/2010/main" w="9525">
+                  <a14:hiddenLine xmlns:a14="http://schemas.microsoft.com/office/drawing/2010/main" xmlns="" w="9525">
                     <a:solidFill>
                       <a:srgbClr val="000000"/>
                     </a:solidFill>
@@ -6504,7 +6506,7 @@
               </a:ln>
               <a:extLst>
                 <a:ext uri="{91240B29-F687-4f45-9708-019B960494DF}">
-                  <a14:hiddenLine xmlns="" xmlns:a14="http://schemas.microsoft.com/office/drawing/2010/main" w="9525">
+                  <a14:hiddenLine xmlns:a14="http://schemas.microsoft.com/office/drawing/2010/main" xmlns="" w="9525">
                     <a:solidFill>
                       <a:srgbClr val="000000"/>
                     </a:solidFill>
@@ -6549,14 +6551,14 @@
               </a:ln>
               <a:extLst>
                 <a:ext uri="{909E8E84-426E-40dd-AFC4-6F175D3DCCD1}">
-                  <a14:hiddenFill xmlns="" xmlns:a14="http://schemas.microsoft.com/office/drawing/2010/main">
+                  <a14:hiddenFill xmlns:a14="http://schemas.microsoft.com/office/drawing/2010/main" xmlns="">
                     <a:solidFill>
                       <a:srgbClr val="FFFFFF"/>
                     </a:solidFill>
                   </a14:hiddenFill>
                 </a:ext>
                 <a:ext uri="{91240B29-F687-4f45-9708-019B960494DF}">
-                  <a14:hiddenLine xmlns="" xmlns:a14="http://schemas.microsoft.com/office/drawing/2010/main" w="9525">
+                  <a14:hiddenLine xmlns:a14="http://schemas.microsoft.com/office/drawing/2010/main" xmlns="" w="9525">
                     <a:solidFill>
                       <a:srgbClr val="000000"/>
                     </a:solidFill>
@@ -6662,7 +6664,7 @@
               </a:ln>
               <a:extLst>
                 <a:ext uri="{91240B29-F687-4f45-9708-019B960494DF}">
-                  <a14:hiddenLine xmlns="" xmlns:a14="http://schemas.microsoft.com/office/drawing/2010/main" w="9525">
+                  <a14:hiddenLine xmlns:a14="http://schemas.microsoft.com/office/drawing/2010/main" xmlns="" w="9525">
                     <a:solidFill>
                       <a:srgbClr val="000000"/>
                     </a:solidFill>
@@ -6765,14 +6767,14 @@
               </a:ln>
               <a:extLst>
                 <a:ext uri="{909E8E84-426E-40dd-AFC4-6F175D3DCCD1}">
-                  <a14:hiddenFill xmlns="" xmlns:a14="http://schemas.microsoft.com/office/drawing/2010/main">
+                  <a14:hiddenFill xmlns:a14="http://schemas.microsoft.com/office/drawing/2010/main" xmlns="">
                     <a:solidFill>
                       <a:srgbClr val="FFFFFF"/>
                     </a:solidFill>
                   </a14:hiddenFill>
                 </a:ext>
                 <a:ext uri="{91240B29-F687-4f45-9708-019B960494DF}">
-                  <a14:hiddenLine xmlns="" xmlns:a14="http://schemas.microsoft.com/office/drawing/2010/main" w="9525">
+                  <a14:hiddenLine xmlns:a14="http://schemas.microsoft.com/office/drawing/2010/main" xmlns="" w="9525">
                     <a:solidFill>
                       <a:srgbClr val="000000"/>
                     </a:solidFill>
@@ -6819,7 +6821,7 @@
               </a:ln>
               <a:extLst>
                 <a:ext uri="{91240B29-F687-4f45-9708-019B960494DF}">
-                  <a14:hiddenLine xmlns="" xmlns:a14="http://schemas.microsoft.com/office/drawing/2010/main" w="9525">
+                  <a14:hiddenLine xmlns:a14="http://schemas.microsoft.com/office/drawing/2010/main" xmlns="" w="9525">
                     <a:solidFill>
                       <a:srgbClr val="000000"/>
                     </a:solidFill>
@@ -6864,14 +6866,14 @@
               </a:ln>
               <a:extLst>
                 <a:ext uri="{909E8E84-426E-40dd-AFC4-6F175D3DCCD1}">
-                  <a14:hiddenFill xmlns="" xmlns:a14="http://schemas.microsoft.com/office/drawing/2010/main">
+                  <a14:hiddenFill xmlns:a14="http://schemas.microsoft.com/office/drawing/2010/main" xmlns="">
                     <a:solidFill>
                       <a:srgbClr val="FFFFFF"/>
                     </a:solidFill>
                   </a14:hiddenFill>
                 </a:ext>
                 <a:ext uri="{91240B29-F687-4f45-9708-019B960494DF}">
-                  <a14:hiddenLine xmlns="" xmlns:a14="http://schemas.microsoft.com/office/drawing/2010/main" w="9525">
+                  <a14:hiddenLine xmlns:a14="http://schemas.microsoft.com/office/drawing/2010/main" xmlns="" w="9525">
                     <a:solidFill>
                       <a:srgbClr val="000000"/>
                     </a:solidFill>
@@ -6918,7 +6920,7 @@
               </a:ln>
               <a:extLst>
                 <a:ext uri="{91240B29-F687-4f45-9708-019B960494DF}">
-                  <a14:hiddenLine xmlns="" xmlns:a14="http://schemas.microsoft.com/office/drawing/2010/main" w="9525">
+                  <a14:hiddenLine xmlns:a14="http://schemas.microsoft.com/office/drawing/2010/main" xmlns="" w="9525">
                     <a:solidFill>
                       <a:srgbClr val="000000"/>
                     </a:solidFill>
@@ -6963,14 +6965,14 @@
               </a:ln>
               <a:extLst>
                 <a:ext uri="{909E8E84-426E-40dd-AFC4-6F175D3DCCD1}">
-                  <a14:hiddenFill xmlns="" xmlns:a14="http://schemas.microsoft.com/office/drawing/2010/main">
+                  <a14:hiddenFill xmlns:a14="http://schemas.microsoft.com/office/drawing/2010/main" xmlns="">
                     <a:solidFill>
                       <a:srgbClr val="FFFFFF"/>
                     </a:solidFill>
                   </a14:hiddenFill>
                 </a:ext>
                 <a:ext uri="{91240B29-F687-4f45-9708-019B960494DF}">
-                  <a14:hiddenLine xmlns="" xmlns:a14="http://schemas.microsoft.com/office/drawing/2010/main" w="9525">
+                  <a14:hiddenLine xmlns:a14="http://schemas.microsoft.com/office/drawing/2010/main" xmlns="" w="9525">
                     <a:solidFill>
                       <a:srgbClr val="000000"/>
                     </a:solidFill>
@@ -7017,7 +7019,7 @@
               </a:ln>
               <a:extLst>
                 <a:ext uri="{91240B29-F687-4f45-9708-019B960494DF}">
-                  <a14:hiddenLine xmlns="" xmlns:a14="http://schemas.microsoft.com/office/drawing/2010/main" w="9525">
+                  <a14:hiddenLine xmlns:a14="http://schemas.microsoft.com/office/drawing/2010/main" xmlns="" w="9525">
                     <a:solidFill>
                       <a:srgbClr val="000000"/>
                     </a:solidFill>
@@ -7062,14 +7064,14 @@
               </a:ln>
               <a:extLst>
                 <a:ext uri="{909E8E84-426E-40dd-AFC4-6F175D3DCCD1}">
-                  <a14:hiddenFill xmlns="" xmlns:a14="http://schemas.microsoft.com/office/drawing/2010/main">
+                  <a14:hiddenFill xmlns:a14="http://schemas.microsoft.com/office/drawing/2010/main" xmlns="">
                     <a:solidFill>
                       <a:srgbClr val="FFFFFF"/>
                     </a:solidFill>
                   </a14:hiddenFill>
                 </a:ext>
                 <a:ext uri="{91240B29-F687-4f45-9708-019B960494DF}">
-                  <a14:hiddenLine xmlns="" xmlns:a14="http://schemas.microsoft.com/office/drawing/2010/main" w="9525">
+                  <a14:hiddenLine xmlns:a14="http://schemas.microsoft.com/office/drawing/2010/main" xmlns="" w="9525">
                     <a:solidFill>
                       <a:srgbClr val="000000"/>
                     </a:solidFill>
@@ -7116,7 +7118,7 @@
               </a:ln>
               <a:extLst>
                 <a:ext uri="{91240B29-F687-4f45-9708-019B960494DF}">
-                  <a14:hiddenLine xmlns="" xmlns:a14="http://schemas.microsoft.com/office/drawing/2010/main" w="9525">
+                  <a14:hiddenLine xmlns:a14="http://schemas.microsoft.com/office/drawing/2010/main" xmlns="" w="9525">
                     <a:solidFill>
                       <a:srgbClr val="000000"/>
                     </a:solidFill>
@@ -7161,14 +7163,14 @@
               </a:ln>
               <a:extLst>
                 <a:ext uri="{909E8E84-426E-40dd-AFC4-6F175D3DCCD1}">
-                  <a14:hiddenFill xmlns="" xmlns:a14="http://schemas.microsoft.com/office/drawing/2010/main">
+                  <a14:hiddenFill xmlns:a14="http://schemas.microsoft.com/office/drawing/2010/main" xmlns="">
                     <a:solidFill>
                       <a:srgbClr val="FFFFFF"/>
                     </a:solidFill>
                   </a14:hiddenFill>
                 </a:ext>
                 <a:ext uri="{91240B29-F687-4f45-9708-019B960494DF}">
-                  <a14:hiddenLine xmlns="" xmlns:a14="http://schemas.microsoft.com/office/drawing/2010/main" w="9525">
+                  <a14:hiddenLine xmlns:a14="http://schemas.microsoft.com/office/drawing/2010/main" xmlns="" w="9525">
                     <a:solidFill>
                       <a:srgbClr val="000000"/>
                     </a:solidFill>
@@ -7266,7 +7268,7 @@
               </a:ln>
               <a:extLst>
                 <a:ext uri="{91240B29-F687-4f45-9708-019B960494DF}">
-                  <a14:hiddenLine xmlns="" xmlns:a14="http://schemas.microsoft.com/office/drawing/2010/main" w="9525">
+                  <a14:hiddenLine xmlns:a14="http://schemas.microsoft.com/office/drawing/2010/main" xmlns="" w="9525">
                     <a:solidFill>
                       <a:srgbClr val="000000"/>
                     </a:solidFill>
@@ -7361,14 +7363,14 @@
               </a:ln>
               <a:extLst>
                 <a:ext uri="{909E8E84-426E-40dd-AFC4-6F175D3DCCD1}">
-                  <a14:hiddenFill xmlns="" xmlns:a14="http://schemas.microsoft.com/office/drawing/2010/main">
+                  <a14:hiddenFill xmlns:a14="http://schemas.microsoft.com/office/drawing/2010/main" xmlns="">
                     <a:solidFill>
                       <a:srgbClr val="FFFFFF"/>
                     </a:solidFill>
                   </a14:hiddenFill>
                 </a:ext>
                 <a:ext uri="{91240B29-F687-4f45-9708-019B960494DF}">
-                  <a14:hiddenLine xmlns="" xmlns:a14="http://schemas.microsoft.com/office/drawing/2010/main" w="9525">
+                  <a14:hiddenLine xmlns:a14="http://schemas.microsoft.com/office/drawing/2010/main" xmlns="" w="9525">
                     <a:solidFill>
                       <a:srgbClr val="000000"/>
                     </a:solidFill>
@@ -7466,7 +7468,7 @@
               </a:ln>
               <a:extLst>
                 <a:ext uri="{91240B29-F687-4f45-9708-019B960494DF}">
-                  <a14:hiddenLine xmlns="" xmlns:a14="http://schemas.microsoft.com/office/drawing/2010/main" w="9525">
+                  <a14:hiddenLine xmlns:a14="http://schemas.microsoft.com/office/drawing/2010/main" xmlns="" w="9525">
                     <a:solidFill>
                       <a:srgbClr val="000000"/>
                     </a:solidFill>
@@ -7561,14 +7563,14 @@
               </a:ln>
               <a:extLst>
                 <a:ext uri="{909E8E84-426E-40dd-AFC4-6F175D3DCCD1}">
-                  <a14:hiddenFill xmlns="" xmlns:a14="http://schemas.microsoft.com/office/drawing/2010/main">
+                  <a14:hiddenFill xmlns:a14="http://schemas.microsoft.com/office/drawing/2010/main" xmlns="">
                     <a:solidFill>
                       <a:srgbClr val="FFFFFF"/>
                     </a:solidFill>
                   </a14:hiddenFill>
                 </a:ext>
                 <a:ext uri="{91240B29-F687-4f45-9708-019B960494DF}">
-                  <a14:hiddenLine xmlns="" xmlns:a14="http://schemas.microsoft.com/office/drawing/2010/main" w="9525">
+                  <a14:hiddenLine xmlns:a14="http://schemas.microsoft.com/office/drawing/2010/main" xmlns="" w="9525">
                     <a:solidFill>
                       <a:srgbClr val="000000"/>
                     </a:solidFill>
@@ -7666,7 +7668,7 @@
               </a:ln>
               <a:extLst>
                 <a:ext uri="{91240B29-F687-4f45-9708-019B960494DF}">
-                  <a14:hiddenLine xmlns="" xmlns:a14="http://schemas.microsoft.com/office/drawing/2010/main" w="9525">
+                  <a14:hiddenLine xmlns:a14="http://schemas.microsoft.com/office/drawing/2010/main" xmlns="" w="9525">
                     <a:solidFill>
                       <a:srgbClr val="000000"/>
                     </a:solidFill>
@@ -7761,14 +7763,14 @@
               </a:ln>
               <a:extLst>
                 <a:ext uri="{909E8E84-426E-40dd-AFC4-6F175D3DCCD1}">
-                  <a14:hiddenFill xmlns="" xmlns:a14="http://schemas.microsoft.com/office/drawing/2010/main">
+                  <a14:hiddenFill xmlns:a14="http://schemas.microsoft.com/office/drawing/2010/main" xmlns="">
                     <a:solidFill>
                       <a:srgbClr val="FFFFFF"/>
                     </a:solidFill>
                   </a14:hiddenFill>
                 </a:ext>
                 <a:ext uri="{91240B29-F687-4f45-9708-019B960494DF}">
-                  <a14:hiddenLine xmlns="" xmlns:a14="http://schemas.microsoft.com/office/drawing/2010/main" w="9525">
+                  <a14:hiddenLine xmlns:a14="http://schemas.microsoft.com/office/drawing/2010/main" xmlns="" w="9525">
                     <a:solidFill>
                       <a:srgbClr val="000000"/>
                     </a:solidFill>
@@ -7866,7 +7868,7 @@
               </a:ln>
               <a:extLst>
                 <a:ext uri="{91240B29-F687-4f45-9708-019B960494DF}">
-                  <a14:hiddenLine xmlns="" xmlns:a14="http://schemas.microsoft.com/office/drawing/2010/main" w="9525">
+                  <a14:hiddenLine xmlns:a14="http://schemas.microsoft.com/office/drawing/2010/main" xmlns="" w="9525">
                     <a:solidFill>
                       <a:srgbClr val="000000"/>
                     </a:solidFill>
@@ -7961,14 +7963,14 @@
               </a:ln>
               <a:extLst>
                 <a:ext uri="{909E8E84-426E-40dd-AFC4-6F175D3DCCD1}">
-                  <a14:hiddenFill xmlns="" xmlns:a14="http://schemas.microsoft.com/office/drawing/2010/main">
+                  <a14:hiddenFill xmlns:a14="http://schemas.microsoft.com/office/drawing/2010/main" xmlns="">
                     <a:solidFill>
                       <a:srgbClr val="FFFFFF"/>
                     </a:solidFill>
                   </a14:hiddenFill>
                 </a:ext>
                 <a:ext uri="{91240B29-F687-4f45-9708-019B960494DF}">
-                  <a14:hiddenLine xmlns="" xmlns:a14="http://schemas.microsoft.com/office/drawing/2010/main" w="9525">
+                  <a14:hiddenLine xmlns:a14="http://schemas.microsoft.com/office/drawing/2010/main" xmlns="" w="9525">
                     <a:solidFill>
                       <a:srgbClr val="000000"/>
                     </a:solidFill>
@@ -8015,7 +8017,7 @@
               </a:ln>
               <a:extLst>
                 <a:ext uri="{91240B29-F687-4f45-9708-019B960494DF}">
-                  <a14:hiddenLine xmlns="" xmlns:a14="http://schemas.microsoft.com/office/drawing/2010/main" w="9525">
+                  <a14:hiddenLine xmlns:a14="http://schemas.microsoft.com/office/drawing/2010/main" xmlns="" w="9525">
                     <a:solidFill>
                       <a:srgbClr val="000000"/>
                     </a:solidFill>
@@ -8145,7 +8147,7 @@
               </a:ln>
               <a:extLst>
                 <a:ext uri="{91240B29-F687-4f45-9708-019B960494DF}">
-                  <a14:hiddenLine xmlns="" xmlns:a14="http://schemas.microsoft.com/office/drawing/2010/main" w="9525">
+                  <a14:hiddenLine xmlns:a14="http://schemas.microsoft.com/office/drawing/2010/main" xmlns="" w="9525">
                     <a:solidFill>
                       <a:srgbClr val="000000"/>
                     </a:solidFill>
@@ -8192,7 +8194,7 @@
               </a:ln>
               <a:extLst>
                 <a:ext uri="{91240B29-F687-4f45-9708-019B960494DF}">
-                  <a14:hiddenLine xmlns="" xmlns:a14="http://schemas.microsoft.com/office/drawing/2010/main" w="9525">
+                  <a14:hiddenLine xmlns:a14="http://schemas.microsoft.com/office/drawing/2010/main" xmlns="" w="9525">
                     <a:solidFill>
                       <a:srgbClr val="000000"/>
                     </a:solidFill>
@@ -8239,7 +8241,7 @@
               </a:ln>
               <a:extLst>
                 <a:ext uri="{91240B29-F687-4f45-9708-019B960494DF}">
-                  <a14:hiddenLine xmlns="" xmlns:a14="http://schemas.microsoft.com/office/drawing/2010/main" w="9525">
+                  <a14:hiddenLine xmlns:a14="http://schemas.microsoft.com/office/drawing/2010/main" xmlns="" w="9525">
                     <a:solidFill>
                       <a:srgbClr val="000000"/>
                     </a:solidFill>
@@ -8286,7 +8288,7 @@
               </a:ln>
               <a:extLst>
                 <a:ext uri="{91240B29-F687-4f45-9708-019B960494DF}">
-                  <a14:hiddenLine xmlns="" xmlns:a14="http://schemas.microsoft.com/office/drawing/2010/main" w="9525">
+                  <a14:hiddenLine xmlns:a14="http://schemas.microsoft.com/office/drawing/2010/main" xmlns="" w="9525">
                     <a:solidFill>
                       <a:srgbClr val="000000"/>
                     </a:solidFill>
@@ -8333,7 +8335,7 @@
               </a:ln>
               <a:extLst>
                 <a:ext uri="{91240B29-F687-4f45-9708-019B960494DF}">
-                  <a14:hiddenLine xmlns="" xmlns:a14="http://schemas.microsoft.com/office/drawing/2010/main" w="9525">
+                  <a14:hiddenLine xmlns:a14="http://schemas.microsoft.com/office/drawing/2010/main" xmlns="" w="9525">
                     <a:solidFill>
                       <a:srgbClr val="000000"/>
                     </a:solidFill>
@@ -8431,7 +8433,7 @@
               </a:ln>
               <a:extLst>
                 <a:ext uri="{91240B29-F687-4f45-9708-019B960494DF}">
-                  <a14:hiddenLine xmlns="" xmlns:a14="http://schemas.microsoft.com/office/drawing/2010/main" w="9525">
+                  <a14:hiddenLine xmlns:a14="http://schemas.microsoft.com/office/drawing/2010/main" xmlns="" w="9525">
                     <a:solidFill>
                       <a:srgbClr val="000000"/>
                     </a:solidFill>
@@ -8529,7 +8531,7 @@
               </a:ln>
               <a:extLst>
                 <a:ext uri="{91240B29-F687-4f45-9708-019B960494DF}">
-                  <a14:hiddenLine xmlns="" xmlns:a14="http://schemas.microsoft.com/office/drawing/2010/main" w="9525">
+                  <a14:hiddenLine xmlns:a14="http://schemas.microsoft.com/office/drawing/2010/main" xmlns="" w="9525">
                     <a:solidFill>
                       <a:srgbClr val="000000"/>
                     </a:solidFill>
@@ -8653,7 +8655,7 @@
               </a:ln>
               <a:extLst>
                 <a:ext uri="{91240B29-F687-4f45-9708-019B960494DF}">
-                  <a14:hiddenLine xmlns="" xmlns:a14="http://schemas.microsoft.com/office/drawing/2010/main" w="9525">
+                  <a14:hiddenLine xmlns:a14="http://schemas.microsoft.com/office/drawing/2010/main" xmlns="" w="9525">
                     <a:solidFill>
                       <a:srgbClr val="000000"/>
                     </a:solidFill>
@@ -8779,7 +8781,7 @@
               </a:ln>
               <a:extLst>
                 <a:ext uri="{91240B29-F687-4f45-9708-019B960494DF}">
-                  <a14:hiddenLine xmlns="" xmlns:a14="http://schemas.microsoft.com/office/drawing/2010/main" w="9525">
+                  <a14:hiddenLine xmlns:a14="http://schemas.microsoft.com/office/drawing/2010/main" xmlns="" w="9525">
                     <a:solidFill>
                       <a:srgbClr val="000000"/>
                     </a:solidFill>
@@ -8895,7 +8897,7 @@
               </a:ln>
               <a:extLst>
                 <a:ext uri="{91240B29-F687-4f45-9708-019B960494DF}">
-                  <a14:hiddenLine xmlns="" xmlns:a14="http://schemas.microsoft.com/office/drawing/2010/main" w="9525">
+                  <a14:hiddenLine xmlns:a14="http://schemas.microsoft.com/office/drawing/2010/main" xmlns="" w="9525">
                     <a:solidFill>
                       <a:srgbClr val="000000"/>
                     </a:solidFill>
@@ -9011,7 +9013,7 @@
               </a:ln>
               <a:extLst>
                 <a:ext uri="{91240B29-F687-4f45-9708-019B960494DF}">
-                  <a14:hiddenLine xmlns="" xmlns:a14="http://schemas.microsoft.com/office/drawing/2010/main" w="9525">
+                  <a14:hiddenLine xmlns:a14="http://schemas.microsoft.com/office/drawing/2010/main" xmlns="" w="9525">
                     <a:solidFill>
                       <a:srgbClr val="000000"/>
                     </a:solidFill>
@@ -9127,7 +9129,7 @@
               </a:ln>
               <a:extLst>
                 <a:ext uri="{91240B29-F687-4f45-9708-019B960494DF}">
-                  <a14:hiddenLine xmlns="" xmlns:a14="http://schemas.microsoft.com/office/drawing/2010/main" w="9525">
+                  <a14:hiddenLine xmlns:a14="http://schemas.microsoft.com/office/drawing/2010/main" xmlns="" w="9525">
                     <a:solidFill>
                       <a:srgbClr val="000000"/>
                     </a:solidFill>
@@ -9243,7 +9245,7 @@
               </a:ln>
               <a:extLst>
                 <a:ext uri="{91240B29-F687-4f45-9708-019B960494DF}">
-                  <a14:hiddenLine xmlns="" xmlns:a14="http://schemas.microsoft.com/office/drawing/2010/main" w="9525">
+                  <a14:hiddenLine xmlns:a14="http://schemas.microsoft.com/office/drawing/2010/main" xmlns="" w="9525">
                     <a:solidFill>
                       <a:srgbClr val="000000"/>
                     </a:solidFill>
@@ -9290,7 +9292,7 @@
               </a:ln>
               <a:extLst>
                 <a:ext uri="{91240B29-F687-4f45-9708-019B960494DF}">
-                  <a14:hiddenLine xmlns="" xmlns:a14="http://schemas.microsoft.com/office/drawing/2010/main" w="9525">
+                  <a14:hiddenLine xmlns:a14="http://schemas.microsoft.com/office/drawing/2010/main" xmlns="" w="9525">
                     <a:solidFill>
                       <a:srgbClr val="000000"/>
                     </a:solidFill>
@@ -9337,7 +9339,7 @@
               </a:ln>
               <a:extLst>
                 <a:ext uri="{91240B29-F687-4f45-9708-019B960494DF}">
-                  <a14:hiddenLine xmlns="" xmlns:a14="http://schemas.microsoft.com/office/drawing/2010/main" w="9525">
+                  <a14:hiddenLine xmlns:a14="http://schemas.microsoft.com/office/drawing/2010/main" xmlns="" w="9525">
                     <a:solidFill>
                       <a:srgbClr val="000000"/>
                     </a:solidFill>
@@ -9384,7 +9386,7 @@
               </a:ln>
               <a:extLst>
                 <a:ext uri="{91240B29-F687-4f45-9708-019B960494DF}">
-                  <a14:hiddenLine xmlns="" xmlns:a14="http://schemas.microsoft.com/office/drawing/2010/main" w="9525">
+                  <a14:hiddenLine xmlns:a14="http://schemas.microsoft.com/office/drawing/2010/main" xmlns="" w="9525">
                     <a:solidFill>
                       <a:srgbClr val="000000"/>
                     </a:solidFill>
@@ -9431,7 +9433,7 @@
               </a:ln>
               <a:extLst>
                 <a:ext uri="{91240B29-F687-4f45-9708-019B960494DF}">
-                  <a14:hiddenLine xmlns="" xmlns:a14="http://schemas.microsoft.com/office/drawing/2010/main" w="9525">
+                  <a14:hiddenLine xmlns:a14="http://schemas.microsoft.com/office/drawing/2010/main" xmlns="" w="9525">
                     <a:solidFill>
                       <a:srgbClr val="000000"/>
                     </a:solidFill>
@@ -9478,7 +9480,7 @@
               </a:ln>
               <a:extLst>
                 <a:ext uri="{91240B29-F687-4f45-9708-019B960494DF}">
-                  <a14:hiddenLine xmlns="" xmlns:a14="http://schemas.microsoft.com/office/drawing/2010/main" w="9525">
+                  <a14:hiddenLine xmlns:a14="http://schemas.microsoft.com/office/drawing/2010/main" xmlns="" w="9525">
                     <a:solidFill>
                       <a:srgbClr val="000000"/>
                     </a:solidFill>
@@ -9525,7 +9527,7 @@
               </a:ln>
               <a:extLst>
                 <a:ext uri="{91240B29-F687-4f45-9708-019B960494DF}">
-                  <a14:hiddenLine xmlns="" xmlns:a14="http://schemas.microsoft.com/office/drawing/2010/main" w="9525">
+                  <a14:hiddenLine xmlns:a14="http://schemas.microsoft.com/office/drawing/2010/main" xmlns="" w="9525">
                     <a:solidFill>
                       <a:srgbClr val="000000"/>
                     </a:solidFill>
@@ -9572,7 +9574,7 @@
               </a:ln>
               <a:extLst>
                 <a:ext uri="{91240B29-F687-4f45-9708-019B960494DF}">
-                  <a14:hiddenLine xmlns="" xmlns:a14="http://schemas.microsoft.com/office/drawing/2010/main" w="9525">
+                  <a14:hiddenLine xmlns:a14="http://schemas.microsoft.com/office/drawing/2010/main" xmlns="" w="9525">
                     <a:solidFill>
                       <a:srgbClr val="000000"/>
                     </a:solidFill>
@@ -9619,7 +9621,7 @@
               </a:ln>
               <a:extLst>
                 <a:ext uri="{91240B29-F687-4f45-9708-019B960494DF}">
-                  <a14:hiddenLine xmlns="" xmlns:a14="http://schemas.microsoft.com/office/drawing/2010/main" w="9525">
+                  <a14:hiddenLine xmlns:a14="http://schemas.microsoft.com/office/drawing/2010/main" xmlns="" w="9525">
                     <a:solidFill>
                       <a:srgbClr val="000000"/>
                     </a:solidFill>
@@ -9666,7 +9668,7 @@
               </a:ln>
               <a:extLst>
                 <a:ext uri="{91240B29-F687-4f45-9708-019B960494DF}">
-                  <a14:hiddenLine xmlns="" xmlns:a14="http://schemas.microsoft.com/office/drawing/2010/main" w="9525">
+                  <a14:hiddenLine xmlns:a14="http://schemas.microsoft.com/office/drawing/2010/main" xmlns="" w="9525">
                     <a:solidFill>
                       <a:srgbClr val="000000"/>
                     </a:solidFill>
@@ -9713,7 +9715,7 @@
               </a:ln>
               <a:extLst>
                 <a:ext uri="{91240B29-F687-4f45-9708-019B960494DF}">
-                  <a14:hiddenLine xmlns="" xmlns:a14="http://schemas.microsoft.com/office/drawing/2010/main" w="9525">
+                  <a14:hiddenLine xmlns:a14="http://schemas.microsoft.com/office/drawing/2010/main" xmlns="" w="9525">
                     <a:solidFill>
                       <a:srgbClr val="000000"/>
                     </a:solidFill>
@@ -9760,7 +9762,7 @@
               </a:ln>
               <a:extLst>
                 <a:ext uri="{91240B29-F687-4f45-9708-019B960494DF}">
-                  <a14:hiddenLine xmlns="" xmlns:a14="http://schemas.microsoft.com/office/drawing/2010/main" w="9525">
+                  <a14:hiddenLine xmlns:a14="http://schemas.microsoft.com/office/drawing/2010/main" xmlns="" w="9525">
                     <a:solidFill>
                       <a:srgbClr val="000000"/>
                     </a:solidFill>
@@ -9807,7 +9809,7 @@
               </a:ln>
               <a:extLst>
                 <a:ext uri="{91240B29-F687-4f45-9708-019B960494DF}">
-                  <a14:hiddenLine xmlns="" xmlns:a14="http://schemas.microsoft.com/office/drawing/2010/main" w="9525">
+                  <a14:hiddenLine xmlns:a14="http://schemas.microsoft.com/office/drawing/2010/main" xmlns="" w="9525">
                     <a:solidFill>
                       <a:srgbClr val="000000"/>
                     </a:solidFill>
@@ -9854,7 +9856,7 @@
               </a:ln>
               <a:extLst>
                 <a:ext uri="{91240B29-F687-4f45-9708-019B960494DF}">
-                  <a14:hiddenLine xmlns="" xmlns:a14="http://schemas.microsoft.com/office/drawing/2010/main" w="9525">
+                  <a14:hiddenLine xmlns:a14="http://schemas.microsoft.com/office/drawing/2010/main" xmlns="" w="9525">
                     <a:solidFill>
                       <a:srgbClr val="000000"/>
                     </a:solidFill>
@@ -9901,7 +9903,7 @@
               </a:ln>
               <a:extLst>
                 <a:ext uri="{91240B29-F687-4f45-9708-019B960494DF}">
-                  <a14:hiddenLine xmlns="" xmlns:a14="http://schemas.microsoft.com/office/drawing/2010/main" w="9525">
+                  <a14:hiddenLine xmlns:a14="http://schemas.microsoft.com/office/drawing/2010/main" xmlns="" w="9525">
                     <a:solidFill>
                       <a:srgbClr val="000000"/>
                     </a:solidFill>
@@ -9948,7 +9950,7 @@
               </a:ln>
               <a:extLst>
                 <a:ext uri="{91240B29-F687-4f45-9708-019B960494DF}">
-                  <a14:hiddenLine xmlns="" xmlns:a14="http://schemas.microsoft.com/office/drawing/2010/main" w="9525">
+                  <a14:hiddenLine xmlns:a14="http://schemas.microsoft.com/office/drawing/2010/main" xmlns="" w="9525">
                     <a:solidFill>
                       <a:srgbClr val="000000"/>
                     </a:solidFill>
@@ -9995,7 +9997,7 @@
               </a:ln>
               <a:extLst>
                 <a:ext uri="{91240B29-F687-4f45-9708-019B960494DF}">
-                  <a14:hiddenLine xmlns="" xmlns:a14="http://schemas.microsoft.com/office/drawing/2010/main" w="9525">
+                  <a14:hiddenLine xmlns:a14="http://schemas.microsoft.com/office/drawing/2010/main" xmlns="" w="9525">
                     <a:solidFill>
                       <a:srgbClr val="000000"/>
                     </a:solidFill>
@@ -10042,7 +10044,7 @@
               </a:ln>
               <a:extLst>
                 <a:ext uri="{91240B29-F687-4f45-9708-019B960494DF}">
-                  <a14:hiddenLine xmlns="" xmlns:a14="http://schemas.microsoft.com/office/drawing/2010/main" w="9525">
+                  <a14:hiddenLine xmlns:a14="http://schemas.microsoft.com/office/drawing/2010/main" xmlns="" w="9525">
                     <a:solidFill>
                       <a:srgbClr val="000000"/>
                     </a:solidFill>
@@ -10089,7 +10091,7 @@
               </a:ln>
               <a:extLst>
                 <a:ext uri="{91240B29-F687-4f45-9708-019B960494DF}">
-                  <a14:hiddenLine xmlns="" xmlns:a14="http://schemas.microsoft.com/office/drawing/2010/main" w="9525">
+                  <a14:hiddenLine xmlns:a14="http://schemas.microsoft.com/office/drawing/2010/main" xmlns="" w="9525">
                     <a:solidFill>
                       <a:srgbClr val="000000"/>
                     </a:solidFill>
@@ -10136,7 +10138,7 @@
               </a:ln>
               <a:extLst>
                 <a:ext uri="{91240B29-F687-4f45-9708-019B960494DF}">
-                  <a14:hiddenLine xmlns="" xmlns:a14="http://schemas.microsoft.com/office/drawing/2010/main" w="9525">
+                  <a14:hiddenLine xmlns:a14="http://schemas.microsoft.com/office/drawing/2010/main" xmlns="" w="9525">
                     <a:solidFill>
                       <a:srgbClr val="000000"/>
                     </a:solidFill>
@@ -10183,7 +10185,7 @@
               </a:ln>
               <a:extLst>
                 <a:ext uri="{91240B29-F687-4f45-9708-019B960494DF}">
-                  <a14:hiddenLine xmlns="" xmlns:a14="http://schemas.microsoft.com/office/drawing/2010/main" w="9525">
+                  <a14:hiddenLine xmlns:a14="http://schemas.microsoft.com/office/drawing/2010/main" xmlns="" w="9525">
                     <a:solidFill>
                       <a:srgbClr val="000000"/>
                     </a:solidFill>
@@ -10230,7 +10232,7 @@
               </a:ln>
               <a:extLst>
                 <a:ext uri="{91240B29-F687-4f45-9708-019B960494DF}">
-                  <a14:hiddenLine xmlns="" xmlns:a14="http://schemas.microsoft.com/office/drawing/2010/main" w="9525">
+                  <a14:hiddenLine xmlns:a14="http://schemas.microsoft.com/office/drawing/2010/main" xmlns="" w="9525">
                     <a:solidFill>
                       <a:srgbClr val="000000"/>
                     </a:solidFill>
@@ -10277,7 +10279,7 @@
               </a:ln>
               <a:extLst>
                 <a:ext uri="{91240B29-F687-4f45-9708-019B960494DF}">
-                  <a14:hiddenLine xmlns="" xmlns:a14="http://schemas.microsoft.com/office/drawing/2010/main" w="9525">
+                  <a14:hiddenLine xmlns:a14="http://schemas.microsoft.com/office/drawing/2010/main" xmlns="" w="9525">
                     <a:solidFill>
                       <a:srgbClr val="000000"/>
                     </a:solidFill>
@@ -10324,7 +10326,7 @@
               </a:ln>
               <a:extLst>
                 <a:ext uri="{91240B29-F687-4f45-9708-019B960494DF}">
-                  <a14:hiddenLine xmlns="" xmlns:a14="http://schemas.microsoft.com/office/drawing/2010/main" w="9525">
+                  <a14:hiddenLine xmlns:a14="http://schemas.microsoft.com/office/drawing/2010/main" xmlns="" w="9525">
                     <a:solidFill>
                       <a:srgbClr val="000000"/>
                     </a:solidFill>
@@ -10371,7 +10373,7 @@
               </a:ln>
               <a:extLst>
                 <a:ext uri="{91240B29-F687-4f45-9708-019B960494DF}">
-                  <a14:hiddenLine xmlns="" xmlns:a14="http://schemas.microsoft.com/office/drawing/2010/main" w="9525">
+                  <a14:hiddenLine xmlns:a14="http://schemas.microsoft.com/office/drawing/2010/main" xmlns="" w="9525">
                     <a:solidFill>
                       <a:srgbClr val="000000"/>
                     </a:solidFill>
@@ -10418,7 +10420,7 @@
               </a:ln>
               <a:extLst>
                 <a:ext uri="{91240B29-F687-4f45-9708-019B960494DF}">
-                  <a14:hiddenLine xmlns="" xmlns:a14="http://schemas.microsoft.com/office/drawing/2010/main" w="9525">
+                  <a14:hiddenLine xmlns:a14="http://schemas.microsoft.com/office/drawing/2010/main" xmlns="" w="9525">
                     <a:solidFill>
                       <a:srgbClr val="000000"/>
                     </a:solidFill>
@@ -10465,7 +10467,7 @@
               </a:ln>
               <a:extLst>
                 <a:ext uri="{91240B29-F687-4f45-9708-019B960494DF}">
-                  <a14:hiddenLine xmlns="" xmlns:a14="http://schemas.microsoft.com/office/drawing/2010/main" w="9525">
+                  <a14:hiddenLine xmlns:a14="http://schemas.microsoft.com/office/drawing/2010/main" xmlns="" w="9525">
                     <a:solidFill>
                       <a:srgbClr val="000000"/>
                     </a:solidFill>
@@ -10512,7 +10514,7 @@
               </a:ln>
               <a:extLst>
                 <a:ext uri="{91240B29-F687-4f45-9708-019B960494DF}">
-                  <a14:hiddenLine xmlns="" xmlns:a14="http://schemas.microsoft.com/office/drawing/2010/main" w="9525">
+                  <a14:hiddenLine xmlns:a14="http://schemas.microsoft.com/office/drawing/2010/main" xmlns="" w="9525">
                     <a:solidFill>
                       <a:srgbClr val="000000"/>
                     </a:solidFill>
@@ -10559,7 +10561,7 @@
               </a:ln>
               <a:extLst>
                 <a:ext uri="{91240B29-F687-4f45-9708-019B960494DF}">
-                  <a14:hiddenLine xmlns="" xmlns:a14="http://schemas.microsoft.com/office/drawing/2010/main" w="9525">
+                  <a14:hiddenLine xmlns:a14="http://schemas.microsoft.com/office/drawing/2010/main" xmlns="" w="9525">
                     <a:solidFill>
                       <a:srgbClr val="000000"/>
                     </a:solidFill>
@@ -10606,7 +10608,7 @@
               </a:ln>
               <a:extLst>
                 <a:ext uri="{91240B29-F687-4f45-9708-019B960494DF}">
-                  <a14:hiddenLine xmlns="" xmlns:a14="http://schemas.microsoft.com/office/drawing/2010/main" w="9525">
+                  <a14:hiddenLine xmlns:a14="http://schemas.microsoft.com/office/drawing/2010/main" xmlns="" w="9525">
                     <a:solidFill>
                       <a:srgbClr val="000000"/>
                     </a:solidFill>
@@ -10704,7 +10706,7 @@
               </a:ln>
               <a:extLst>
                 <a:ext uri="{91240B29-F687-4f45-9708-019B960494DF}">
-                  <a14:hiddenLine xmlns="" xmlns:a14="http://schemas.microsoft.com/office/drawing/2010/main" w="9525">
+                  <a14:hiddenLine xmlns:a14="http://schemas.microsoft.com/office/drawing/2010/main" xmlns="" w="9525">
                     <a:solidFill>
                       <a:srgbClr val="000000"/>
                     </a:solidFill>
@@ -10751,7 +10753,7 @@
               </a:ln>
               <a:extLst>
                 <a:ext uri="{91240B29-F687-4f45-9708-019B960494DF}">
-                  <a14:hiddenLine xmlns="" xmlns:a14="http://schemas.microsoft.com/office/drawing/2010/main" w="9525">
+                  <a14:hiddenLine xmlns:a14="http://schemas.microsoft.com/office/drawing/2010/main" xmlns="" w="9525">
                     <a:solidFill>
                       <a:srgbClr val="000000"/>
                     </a:solidFill>
@@ -10798,7 +10800,7 @@
               </a:ln>
               <a:extLst>
                 <a:ext uri="{91240B29-F687-4f45-9708-019B960494DF}">
-                  <a14:hiddenLine xmlns="" xmlns:a14="http://schemas.microsoft.com/office/drawing/2010/main" w="9525">
+                  <a14:hiddenLine xmlns:a14="http://schemas.microsoft.com/office/drawing/2010/main" xmlns="" w="9525">
                     <a:solidFill>
                       <a:srgbClr val="000000"/>
                     </a:solidFill>
@@ -10845,7 +10847,7 @@
               </a:ln>
               <a:extLst>
                 <a:ext uri="{91240B29-F687-4f45-9708-019B960494DF}">
-                  <a14:hiddenLine xmlns="" xmlns:a14="http://schemas.microsoft.com/office/drawing/2010/main" w="9525">
+                  <a14:hiddenLine xmlns:a14="http://schemas.microsoft.com/office/drawing/2010/main" xmlns="" w="9525">
                     <a:solidFill>
                       <a:srgbClr val="000000"/>
                     </a:solidFill>
@@ -10892,7 +10894,7 @@
               </a:ln>
               <a:extLst>
                 <a:ext uri="{91240B29-F687-4f45-9708-019B960494DF}">
-                  <a14:hiddenLine xmlns="" xmlns:a14="http://schemas.microsoft.com/office/drawing/2010/main" w="9525">
+                  <a14:hiddenLine xmlns:a14="http://schemas.microsoft.com/office/drawing/2010/main" xmlns="" w="9525">
                     <a:solidFill>
                       <a:srgbClr val="000000"/>
                     </a:solidFill>
@@ -10939,7 +10941,7 @@
               </a:ln>
               <a:extLst>
                 <a:ext uri="{91240B29-F687-4f45-9708-019B960494DF}">
-                  <a14:hiddenLine xmlns="" xmlns:a14="http://schemas.microsoft.com/office/drawing/2010/main" w="9525">
+                  <a14:hiddenLine xmlns:a14="http://schemas.microsoft.com/office/drawing/2010/main" xmlns="" w="9525">
                     <a:solidFill>
                       <a:srgbClr val="000000"/>
                     </a:solidFill>
@@ -10986,7 +10988,7 @@
               </a:ln>
               <a:extLst>
                 <a:ext uri="{91240B29-F687-4f45-9708-019B960494DF}">
-                  <a14:hiddenLine xmlns="" xmlns:a14="http://schemas.microsoft.com/office/drawing/2010/main" w="9525">
+                  <a14:hiddenLine xmlns:a14="http://schemas.microsoft.com/office/drawing/2010/main" xmlns="" w="9525">
                     <a:solidFill>
                       <a:srgbClr val="000000"/>
                     </a:solidFill>
@@ -11110,7 +11112,7 @@
               </a:ln>
               <a:extLst>
                 <a:ext uri="{91240B29-F687-4f45-9708-019B960494DF}">
-                  <a14:hiddenLine xmlns="" xmlns:a14="http://schemas.microsoft.com/office/drawing/2010/main" w="9525">
+                  <a14:hiddenLine xmlns:a14="http://schemas.microsoft.com/office/drawing/2010/main" xmlns="" w="9525">
                     <a:solidFill>
                       <a:srgbClr val="000000"/>
                     </a:solidFill>
@@ -11224,7 +11226,7 @@
               </a:ln>
               <a:extLst>
                 <a:ext uri="{91240B29-F687-4f45-9708-019B960494DF}">
-                  <a14:hiddenLine xmlns="" xmlns:a14="http://schemas.microsoft.com/office/drawing/2010/main" w="9525">
+                  <a14:hiddenLine xmlns:a14="http://schemas.microsoft.com/office/drawing/2010/main" xmlns="" w="9525">
                     <a:solidFill>
                       <a:srgbClr val="000000"/>
                     </a:solidFill>
@@ -11271,7 +11273,7 @@
               </a:ln>
               <a:extLst>
                 <a:ext uri="{91240B29-F687-4f45-9708-019B960494DF}">
-                  <a14:hiddenLine xmlns="" xmlns:a14="http://schemas.microsoft.com/office/drawing/2010/main" w="9525">
+                  <a14:hiddenLine xmlns:a14="http://schemas.microsoft.com/office/drawing/2010/main" xmlns="" w="9525">
                     <a:solidFill>
                       <a:srgbClr val="000000"/>
                     </a:solidFill>
@@ -11318,7 +11320,7 @@
               </a:ln>
               <a:extLst>
                 <a:ext uri="{91240B29-F687-4f45-9708-019B960494DF}">
-                  <a14:hiddenLine xmlns="" xmlns:a14="http://schemas.microsoft.com/office/drawing/2010/main" w="9525">
+                  <a14:hiddenLine xmlns:a14="http://schemas.microsoft.com/office/drawing/2010/main" xmlns="" w="9525">
                     <a:solidFill>
                       <a:srgbClr val="000000"/>
                     </a:solidFill>
@@ -11365,7 +11367,7 @@
               </a:ln>
               <a:extLst>
                 <a:ext uri="{91240B29-F687-4f45-9708-019B960494DF}">
-                  <a14:hiddenLine xmlns="" xmlns:a14="http://schemas.microsoft.com/office/drawing/2010/main" w="9525">
+                  <a14:hiddenLine xmlns:a14="http://schemas.microsoft.com/office/drawing/2010/main" xmlns="" w="9525">
                     <a:solidFill>
                       <a:srgbClr val="000000"/>
                     </a:solidFill>
@@ -11412,7 +11414,7 @@
               </a:ln>
               <a:extLst>
                 <a:ext uri="{91240B29-F687-4f45-9708-019B960494DF}">
-                  <a14:hiddenLine xmlns="" xmlns:a14="http://schemas.microsoft.com/office/drawing/2010/main" w="9525">
+                  <a14:hiddenLine xmlns:a14="http://schemas.microsoft.com/office/drawing/2010/main" xmlns="" w="9525">
                     <a:solidFill>
                       <a:srgbClr val="000000"/>
                     </a:solidFill>
@@ -11459,7 +11461,7 @@
               </a:ln>
               <a:extLst>
                 <a:ext uri="{91240B29-F687-4f45-9708-019B960494DF}">
-                  <a14:hiddenLine xmlns="" xmlns:a14="http://schemas.microsoft.com/office/drawing/2010/main" w="9525">
+                  <a14:hiddenLine xmlns:a14="http://schemas.microsoft.com/office/drawing/2010/main" xmlns="" w="9525">
                     <a:solidFill>
                       <a:srgbClr val="000000"/>
                     </a:solidFill>
@@ -11506,7 +11508,7 @@
               </a:ln>
               <a:extLst>
                 <a:ext uri="{91240B29-F687-4f45-9708-019B960494DF}">
-                  <a14:hiddenLine xmlns="" xmlns:a14="http://schemas.microsoft.com/office/drawing/2010/main" w="9525">
+                  <a14:hiddenLine xmlns:a14="http://schemas.microsoft.com/office/drawing/2010/main" xmlns="" w="9525">
                     <a:solidFill>
                       <a:srgbClr val="000000"/>
                     </a:solidFill>
@@ -11604,7 +11606,7 @@
               </a:ln>
               <a:extLst>
                 <a:ext uri="{91240B29-F687-4f45-9708-019B960494DF}">
-                  <a14:hiddenLine xmlns="" xmlns:a14="http://schemas.microsoft.com/office/drawing/2010/main" w="9525">
+                  <a14:hiddenLine xmlns:a14="http://schemas.microsoft.com/office/drawing/2010/main" xmlns="" w="9525">
                     <a:solidFill>
                       <a:srgbClr val="000000"/>
                     </a:solidFill>
@@ -11702,7 +11704,7 @@
               </a:ln>
               <a:extLst>
                 <a:ext uri="{91240B29-F687-4f45-9708-019B960494DF}">
-                  <a14:hiddenLine xmlns="" xmlns:a14="http://schemas.microsoft.com/office/drawing/2010/main" w="9525">
+                  <a14:hiddenLine xmlns:a14="http://schemas.microsoft.com/office/drawing/2010/main" xmlns="" w="9525">
                     <a:solidFill>
                       <a:srgbClr val="000000"/>
                     </a:solidFill>
@@ -11800,7 +11802,7 @@
               </a:ln>
               <a:extLst>
                 <a:ext uri="{91240B29-F687-4f45-9708-019B960494DF}">
-                  <a14:hiddenLine xmlns="" xmlns:a14="http://schemas.microsoft.com/office/drawing/2010/main" w="9525">
+                  <a14:hiddenLine xmlns:a14="http://schemas.microsoft.com/office/drawing/2010/main" xmlns="" w="9525">
                     <a:solidFill>
                       <a:srgbClr val="000000"/>
                     </a:solidFill>
@@ -11898,7 +11900,7 @@
               </a:ln>
               <a:extLst>
                 <a:ext uri="{91240B29-F687-4f45-9708-019B960494DF}">
-                  <a14:hiddenLine xmlns="" xmlns:a14="http://schemas.microsoft.com/office/drawing/2010/main" w="9525">
+                  <a14:hiddenLine xmlns:a14="http://schemas.microsoft.com/office/drawing/2010/main" xmlns="" w="9525">
                     <a:solidFill>
                       <a:srgbClr val="000000"/>
                     </a:solidFill>
@@ -11945,7 +11947,7 @@
               </a:ln>
               <a:extLst>
                 <a:ext uri="{91240B29-F687-4f45-9708-019B960494DF}">
-                  <a14:hiddenLine xmlns="" xmlns:a14="http://schemas.microsoft.com/office/drawing/2010/main" w="9525">
+                  <a14:hiddenLine xmlns:a14="http://schemas.microsoft.com/office/drawing/2010/main" xmlns="" w="9525">
                     <a:solidFill>
                       <a:srgbClr val="000000"/>
                     </a:solidFill>
@@ -11992,7 +11994,7 @@
               </a:ln>
               <a:extLst>
                 <a:ext uri="{91240B29-F687-4f45-9708-019B960494DF}">
-                  <a14:hiddenLine xmlns="" xmlns:a14="http://schemas.microsoft.com/office/drawing/2010/main" w="9525">
+                  <a14:hiddenLine xmlns:a14="http://schemas.microsoft.com/office/drawing/2010/main" xmlns="" w="9525">
                     <a:solidFill>
                       <a:srgbClr val="000000"/>
                     </a:solidFill>
@@ -12218,7 +12220,7 @@
               </a:ln>
               <a:extLst>
                 <a:ext uri="{91240B29-F687-4f45-9708-019B960494DF}">
-                  <a14:hiddenLine xmlns="" xmlns:a14="http://schemas.microsoft.com/office/drawing/2010/main" w="9525">
+                  <a14:hiddenLine xmlns:a14="http://schemas.microsoft.com/office/drawing/2010/main" xmlns="" w="9525">
                     <a:solidFill>
                       <a:srgbClr val="000000"/>
                     </a:solidFill>
@@ -12393,7 +12395,7 @@
               </a:ln>
               <a:extLst>
                 <a:ext uri="{91240B29-F687-4f45-9708-019B960494DF}">
-                  <a14:hiddenLine xmlns="" xmlns:a14="http://schemas.microsoft.com/office/drawing/2010/main" w="9525">
+                  <a14:hiddenLine xmlns:a14="http://schemas.microsoft.com/office/drawing/2010/main" xmlns="" w="9525">
                     <a:solidFill>
                       <a:srgbClr val="000000"/>
                     </a:solidFill>
@@ -12539,7 +12541,7 @@
               </a:ln>
               <a:extLst>
                 <a:ext uri="{91240B29-F687-4f45-9708-019B960494DF}">
-                  <a14:hiddenLine xmlns="" xmlns:a14="http://schemas.microsoft.com/office/drawing/2010/main" w="9525">
+                  <a14:hiddenLine xmlns:a14="http://schemas.microsoft.com/office/drawing/2010/main" xmlns="" w="9525">
                     <a:solidFill>
                       <a:srgbClr val="000000"/>
                     </a:solidFill>
@@ -12665,7 +12667,7 @@
               </a:ln>
               <a:extLst>
                 <a:ext uri="{91240B29-F687-4f45-9708-019B960494DF}">
-                  <a14:hiddenLine xmlns="" xmlns:a14="http://schemas.microsoft.com/office/drawing/2010/main" w="9525">
+                  <a14:hiddenLine xmlns:a14="http://schemas.microsoft.com/office/drawing/2010/main" xmlns="" w="9525">
                     <a:solidFill>
                       <a:srgbClr val="000000"/>
                     </a:solidFill>
@@ -12779,7 +12781,7 @@
               </a:ln>
               <a:extLst>
                 <a:ext uri="{91240B29-F687-4f45-9708-019B960494DF}">
-                  <a14:hiddenLine xmlns="" xmlns:a14="http://schemas.microsoft.com/office/drawing/2010/main" w="9525">
+                  <a14:hiddenLine xmlns:a14="http://schemas.microsoft.com/office/drawing/2010/main" xmlns="" w="9525">
                     <a:solidFill>
                       <a:srgbClr val="000000"/>
                     </a:solidFill>
@@ -12943,7 +12945,7 @@
               </a:ln>
               <a:extLst>
                 <a:ext uri="{91240B29-F687-4f45-9708-019B960494DF}">
-                  <a14:hiddenLine xmlns="" xmlns:a14="http://schemas.microsoft.com/office/drawing/2010/main" w="9525">
+                  <a14:hiddenLine xmlns:a14="http://schemas.microsoft.com/office/drawing/2010/main" xmlns="" w="9525">
                     <a:solidFill>
                       <a:srgbClr val="000000"/>
                     </a:solidFill>
@@ -13129,7 +13131,7 @@
               </a:ln>
               <a:extLst>
                 <a:ext uri="{91240B29-F687-4f45-9708-019B960494DF}">
-                  <a14:hiddenLine xmlns="" xmlns:a14="http://schemas.microsoft.com/office/drawing/2010/main" w="9525">
+                  <a14:hiddenLine xmlns:a14="http://schemas.microsoft.com/office/drawing/2010/main" xmlns="" w="9525">
                     <a:solidFill>
                       <a:srgbClr val="000000"/>
                     </a:solidFill>
@@ -13176,7 +13178,7 @@
               </a:ln>
               <a:extLst>
                 <a:ext uri="{91240B29-F687-4f45-9708-019B960494DF}">
-                  <a14:hiddenLine xmlns="" xmlns:a14="http://schemas.microsoft.com/office/drawing/2010/main" w="9525">
+                  <a14:hiddenLine xmlns:a14="http://schemas.microsoft.com/office/drawing/2010/main" xmlns="" w="9525">
                     <a:solidFill>
                       <a:srgbClr val="000000"/>
                     </a:solidFill>
@@ -13302,7 +13304,7 @@
               </a:ln>
               <a:extLst>
                 <a:ext uri="{91240B29-F687-4f45-9708-019B960494DF}">
-                  <a14:hiddenLine xmlns="" xmlns:a14="http://schemas.microsoft.com/office/drawing/2010/main" w="9525">
+                  <a14:hiddenLine xmlns:a14="http://schemas.microsoft.com/office/drawing/2010/main" xmlns="" w="9525">
                     <a:solidFill>
                       <a:srgbClr val="000000"/>
                     </a:solidFill>
@@ -13408,7 +13410,7 @@
               </a:ln>
               <a:extLst>
                 <a:ext uri="{91240B29-F687-4f45-9708-019B960494DF}">
-                  <a14:hiddenLine xmlns="" xmlns:a14="http://schemas.microsoft.com/office/drawing/2010/main" w="9525">
+                  <a14:hiddenLine xmlns:a14="http://schemas.microsoft.com/office/drawing/2010/main" xmlns="" w="9525">
                     <a:solidFill>
                       <a:srgbClr val="000000"/>
                     </a:solidFill>
@@ -13511,14 +13513,14 @@
               </a:ln>
               <a:extLst>
                 <a:ext uri="{909E8E84-426E-40dd-AFC4-6F175D3DCCD1}">
-                  <a14:hiddenFill xmlns="" xmlns:a14="http://schemas.microsoft.com/office/drawing/2010/main">
+                  <a14:hiddenFill xmlns:a14="http://schemas.microsoft.com/office/drawing/2010/main" xmlns="">
                     <a:solidFill>
                       <a:srgbClr val="FFFFFF"/>
                     </a:solidFill>
                   </a14:hiddenFill>
                 </a:ext>
                 <a:ext uri="{91240B29-F687-4f45-9708-019B960494DF}">
-                  <a14:hiddenLine xmlns="" xmlns:a14="http://schemas.microsoft.com/office/drawing/2010/main" w="9525">
+                  <a14:hiddenLine xmlns:a14="http://schemas.microsoft.com/office/drawing/2010/main" xmlns="" w="9525">
                     <a:solidFill>
                       <a:srgbClr val="000000"/>
                     </a:solidFill>
@@ -13768,7 +13770,7 @@
               </a:ln>
               <a:extLst>
                 <a:ext uri="{91240B29-F687-4f45-9708-019B960494DF}">
-                  <a14:hiddenLine xmlns="" xmlns:a14="http://schemas.microsoft.com/office/drawing/2010/main" w="9525">
+                  <a14:hiddenLine xmlns:a14="http://schemas.microsoft.com/office/drawing/2010/main" xmlns="" w="9525">
                     <a:solidFill>
                       <a:srgbClr val="000000"/>
                     </a:solidFill>
@@ -14015,14 +14017,14 @@
               </a:ln>
               <a:extLst>
                 <a:ext uri="{909E8E84-426E-40dd-AFC4-6F175D3DCCD1}">
-                  <a14:hiddenFill xmlns="" xmlns:a14="http://schemas.microsoft.com/office/drawing/2010/main">
+                  <a14:hiddenFill xmlns:a14="http://schemas.microsoft.com/office/drawing/2010/main" xmlns="">
                     <a:solidFill>
                       <a:srgbClr val="FFFFFF"/>
                     </a:solidFill>
                   </a14:hiddenFill>
                 </a:ext>
                 <a:ext uri="{91240B29-F687-4f45-9708-019B960494DF}">
-                  <a14:hiddenLine xmlns="" xmlns:a14="http://schemas.microsoft.com/office/drawing/2010/main" w="9525">
+                  <a14:hiddenLine xmlns:a14="http://schemas.microsoft.com/office/drawing/2010/main" xmlns="" w="9525">
                     <a:solidFill>
                       <a:srgbClr val="000000"/>
                     </a:solidFill>
@@ -14069,7 +14071,7 @@
               </a:ln>
               <a:extLst>
                 <a:ext uri="{91240B29-F687-4f45-9708-019B960494DF}">
-                  <a14:hiddenLine xmlns="" xmlns:a14="http://schemas.microsoft.com/office/drawing/2010/main" w="9525">
+                  <a14:hiddenLine xmlns:a14="http://schemas.microsoft.com/office/drawing/2010/main" xmlns="" w="9525">
                     <a:solidFill>
                       <a:srgbClr val="000000"/>
                     </a:solidFill>
@@ -14114,14 +14116,14 @@
               </a:ln>
               <a:extLst>
                 <a:ext uri="{909E8E84-426E-40dd-AFC4-6F175D3DCCD1}">
-                  <a14:hiddenFill xmlns="" xmlns:a14="http://schemas.microsoft.com/office/drawing/2010/main">
+                  <a14:hiddenFill xmlns:a14="http://schemas.microsoft.com/office/drawing/2010/main" xmlns="">
                     <a:solidFill>
                       <a:srgbClr val="FFFFFF"/>
                     </a:solidFill>
                   </a14:hiddenFill>
                 </a:ext>
                 <a:ext uri="{91240B29-F687-4f45-9708-019B960494DF}">
-                  <a14:hiddenLine xmlns="" xmlns:a14="http://schemas.microsoft.com/office/drawing/2010/main" w="9525">
+                  <a14:hiddenLine xmlns:a14="http://schemas.microsoft.com/office/drawing/2010/main" xmlns="" w="9525">
                     <a:solidFill>
                       <a:srgbClr val="000000"/>
                     </a:solidFill>
@@ -14168,7 +14170,7 @@
               </a:ln>
               <a:extLst>
                 <a:ext uri="{91240B29-F687-4f45-9708-019B960494DF}">
-                  <a14:hiddenLine xmlns="" xmlns:a14="http://schemas.microsoft.com/office/drawing/2010/main" w="9525">
+                  <a14:hiddenLine xmlns:a14="http://schemas.microsoft.com/office/drawing/2010/main" xmlns="" w="9525">
                     <a:solidFill>
                       <a:srgbClr val="000000"/>
                     </a:solidFill>
@@ -14213,14 +14215,14 @@
               </a:ln>
               <a:extLst>
                 <a:ext uri="{909E8E84-426E-40dd-AFC4-6F175D3DCCD1}">
-                  <a14:hiddenFill xmlns="" xmlns:a14="http://schemas.microsoft.com/office/drawing/2010/main">
+                  <a14:hiddenFill xmlns:a14="http://schemas.microsoft.com/office/drawing/2010/main" xmlns="">
                     <a:solidFill>
                       <a:srgbClr val="FFFFFF"/>
                     </a:solidFill>
                   </a14:hiddenFill>
                 </a:ext>
                 <a:ext uri="{91240B29-F687-4f45-9708-019B960494DF}">
-                  <a14:hiddenLine xmlns="" xmlns:a14="http://schemas.microsoft.com/office/drawing/2010/main" w="9525">
+                  <a14:hiddenLine xmlns:a14="http://schemas.microsoft.com/office/drawing/2010/main" xmlns="" w="9525">
                     <a:solidFill>
                       <a:srgbClr val="000000"/>
                     </a:solidFill>
@@ -14267,7 +14269,7 @@
               </a:ln>
               <a:extLst>
                 <a:ext uri="{91240B29-F687-4f45-9708-019B960494DF}">
-                  <a14:hiddenLine xmlns="" xmlns:a14="http://schemas.microsoft.com/office/drawing/2010/main" w="9525">
+                  <a14:hiddenLine xmlns:a14="http://schemas.microsoft.com/office/drawing/2010/main" xmlns="" w="9525">
                     <a:solidFill>
                       <a:srgbClr val="000000"/>
                     </a:solidFill>
@@ -14312,14 +14314,14 @@
               </a:ln>
               <a:extLst>
                 <a:ext uri="{909E8E84-426E-40dd-AFC4-6F175D3DCCD1}">
-                  <a14:hiddenFill xmlns="" xmlns:a14="http://schemas.microsoft.com/office/drawing/2010/main">
+                  <a14:hiddenFill xmlns:a14="http://schemas.microsoft.com/office/drawing/2010/main" xmlns="">
                     <a:solidFill>
                       <a:srgbClr val="FFFFFF"/>
                     </a:solidFill>
                   </a14:hiddenFill>
                 </a:ext>
                 <a:ext uri="{91240B29-F687-4f45-9708-019B960494DF}">
-                  <a14:hiddenLine xmlns="" xmlns:a14="http://schemas.microsoft.com/office/drawing/2010/main" w="9525">
+                  <a14:hiddenLine xmlns:a14="http://schemas.microsoft.com/office/drawing/2010/main" xmlns="" w="9525">
                     <a:solidFill>
                       <a:srgbClr val="000000"/>
                     </a:solidFill>
@@ -14366,7 +14368,7 @@
               </a:ln>
               <a:extLst>
                 <a:ext uri="{91240B29-F687-4f45-9708-019B960494DF}">
-                  <a14:hiddenLine xmlns="" xmlns:a14="http://schemas.microsoft.com/office/drawing/2010/main" w="9525">
+                  <a14:hiddenLine xmlns:a14="http://schemas.microsoft.com/office/drawing/2010/main" xmlns="" w="9525">
                     <a:solidFill>
                       <a:srgbClr val="000000"/>
                     </a:solidFill>
@@ -14411,14 +14413,14 @@
               </a:ln>
               <a:extLst>
                 <a:ext uri="{909E8E84-426E-40dd-AFC4-6F175D3DCCD1}">
-                  <a14:hiddenFill xmlns="" xmlns:a14="http://schemas.microsoft.com/office/drawing/2010/main">
+                  <a14:hiddenFill xmlns:a14="http://schemas.microsoft.com/office/drawing/2010/main" xmlns="">
                     <a:solidFill>
                       <a:srgbClr val="FFFFFF"/>
                     </a:solidFill>
                   </a14:hiddenFill>
                 </a:ext>
                 <a:ext uri="{91240B29-F687-4f45-9708-019B960494DF}">
-                  <a14:hiddenLine xmlns="" xmlns:a14="http://schemas.microsoft.com/office/drawing/2010/main" w="9525">
+                  <a14:hiddenLine xmlns:a14="http://schemas.microsoft.com/office/drawing/2010/main" xmlns="" w="9525">
                     <a:solidFill>
                       <a:srgbClr val="000000"/>
                     </a:solidFill>
@@ -14889,7 +14891,7 @@
             </a:ln>
             <a:extLst>
               <a:ext uri="{91240B29-F687-4f45-9708-019B960494DF}">
-                <a14:hiddenLine xmlns="" xmlns:a14="http://schemas.microsoft.com/office/drawing/2010/main" w="9525">
+                <a14:hiddenLine xmlns:a14="http://schemas.microsoft.com/office/drawing/2010/main" xmlns="" w="9525">
                   <a:solidFill>
                     <a:srgbClr val="000000"/>
                   </a:solidFill>
@@ -14936,7 +14938,7 @@
             </a:ln>
             <a:extLst>
               <a:ext uri="{91240B29-F687-4f45-9708-019B960494DF}">
-                <a14:hiddenLine xmlns="" xmlns:a14="http://schemas.microsoft.com/office/drawing/2010/main" w="9525">
+                <a14:hiddenLine xmlns:a14="http://schemas.microsoft.com/office/drawing/2010/main" xmlns="" w="9525">
                   <a:solidFill>
                     <a:srgbClr val="000000"/>
                   </a:solidFill>
@@ -15034,7 +15036,7 @@
             </a:ln>
             <a:extLst>
               <a:ext uri="{91240B29-F687-4f45-9708-019B960494DF}">
-                <a14:hiddenLine xmlns="" xmlns:a14="http://schemas.microsoft.com/office/drawing/2010/main" w="9525">
+                <a14:hiddenLine xmlns:a14="http://schemas.microsoft.com/office/drawing/2010/main" xmlns="" w="9525">
                   <a:solidFill>
                     <a:srgbClr val="000000"/>
                   </a:solidFill>
@@ -15085,7 +15087,7 @@
             </a:ln>
             <a:extLst>
               <a:ext uri="{909E8E84-426E-40dd-AFC4-6F175D3DCCD1}">
-                <a14:hiddenFill xmlns="" xmlns:a14="http://schemas.microsoft.com/office/drawing/2010/main">
+                <a14:hiddenFill xmlns:a14="http://schemas.microsoft.com/office/drawing/2010/main" xmlns="">
                   <a:noFill/>
                 </a14:hiddenFill>
               </a:ext>
@@ -15131,7 +15133,7 @@
             </a:ln>
             <a:extLst>
               <a:ext uri="{909E8E84-426E-40dd-AFC4-6F175D3DCCD1}">
-                <a14:hiddenFill xmlns="" xmlns:a14="http://schemas.microsoft.com/office/drawing/2010/main">
+                <a14:hiddenFill xmlns:a14="http://schemas.microsoft.com/office/drawing/2010/main" xmlns="">
                   <a:noFill/>
                 </a14:hiddenFill>
               </a:ext>
@@ -15177,7 +15179,7 @@
             </a:ln>
             <a:extLst>
               <a:ext uri="{909E8E84-426E-40dd-AFC4-6F175D3DCCD1}">
-                <a14:hiddenFill xmlns="" xmlns:a14="http://schemas.microsoft.com/office/drawing/2010/main">
+                <a14:hiddenFill xmlns:a14="http://schemas.microsoft.com/office/drawing/2010/main" xmlns="">
                   <a:noFill/>
                 </a14:hiddenFill>
               </a:ext>
@@ -15223,7 +15225,7 @@
             </a:ln>
             <a:extLst>
               <a:ext uri="{909E8E84-426E-40dd-AFC4-6F175D3DCCD1}">
-                <a14:hiddenFill xmlns="" xmlns:a14="http://schemas.microsoft.com/office/drawing/2010/main">
+                <a14:hiddenFill xmlns:a14="http://schemas.microsoft.com/office/drawing/2010/main" xmlns="">
                   <a:noFill/>
                 </a14:hiddenFill>
               </a:ext>
@@ -15574,7 +15576,7 @@
             </a:ln>
             <a:extLst>
               <a:ext uri="{91240B29-F687-4f45-9708-019B960494DF}">
-                <a14:hiddenLine xmlns="" xmlns:a14="http://schemas.microsoft.com/office/drawing/2010/main" w="9525">
+                <a14:hiddenLine xmlns:a14="http://schemas.microsoft.com/office/drawing/2010/main" xmlns="" w="9525">
                   <a:solidFill>
                     <a:srgbClr val="000000"/>
                   </a:solidFill>
@@ -15680,7 +15682,7 @@
             </a:ln>
             <a:extLst>
               <a:ext uri="{91240B29-F687-4f45-9708-019B960494DF}">
-                <a14:hiddenLine xmlns="" xmlns:a14="http://schemas.microsoft.com/office/drawing/2010/main" w="9525">
+                <a14:hiddenLine xmlns:a14="http://schemas.microsoft.com/office/drawing/2010/main" xmlns="" w="9525">
                   <a:solidFill>
                     <a:srgbClr val="000000"/>
                   </a:solidFill>
@@ -15786,7 +15788,7 @@
             </a:ln>
             <a:extLst>
               <a:ext uri="{91240B29-F687-4f45-9708-019B960494DF}">
-                <a14:hiddenLine xmlns="" xmlns:a14="http://schemas.microsoft.com/office/drawing/2010/main" w="9525">
+                <a14:hiddenLine xmlns:a14="http://schemas.microsoft.com/office/drawing/2010/main" xmlns="" w="9525">
                   <a:solidFill>
                     <a:srgbClr val="000000"/>
                   </a:solidFill>
@@ -15884,7 +15886,7 @@
             </a:ln>
             <a:extLst>
               <a:ext uri="{91240B29-F687-4f45-9708-019B960494DF}">
-                <a14:hiddenLine xmlns="" xmlns:a14="http://schemas.microsoft.com/office/drawing/2010/main" w="9525">
+                <a14:hiddenLine xmlns:a14="http://schemas.microsoft.com/office/drawing/2010/main" xmlns="" w="9525">
                   <a:solidFill>
                     <a:srgbClr val="000000"/>
                   </a:solidFill>
@@ -15990,7 +15992,7 @@
             </a:ln>
             <a:extLst>
               <a:ext uri="{91240B29-F687-4f45-9708-019B960494DF}">
-                <a14:hiddenLine xmlns="" xmlns:a14="http://schemas.microsoft.com/office/drawing/2010/main" w="9525">
+                <a14:hiddenLine xmlns:a14="http://schemas.microsoft.com/office/drawing/2010/main" xmlns="" w="9525">
                   <a:solidFill>
                     <a:srgbClr val="000000"/>
                   </a:solidFill>
@@ -16096,7 +16098,7 @@
             </a:ln>
             <a:extLst>
               <a:ext uri="{91240B29-F687-4f45-9708-019B960494DF}">
-                <a14:hiddenLine xmlns="" xmlns:a14="http://schemas.microsoft.com/office/drawing/2010/main" w="9525">
+                <a14:hiddenLine xmlns:a14="http://schemas.microsoft.com/office/drawing/2010/main" xmlns="" w="9525">
                   <a:solidFill>
                     <a:srgbClr val="000000"/>
                   </a:solidFill>
@@ -16202,7 +16204,7 @@
             </a:ln>
             <a:extLst>
               <a:ext uri="{91240B29-F687-4f45-9708-019B960494DF}">
-                <a14:hiddenLine xmlns="" xmlns:a14="http://schemas.microsoft.com/office/drawing/2010/main" w="9525">
+                <a14:hiddenLine xmlns:a14="http://schemas.microsoft.com/office/drawing/2010/main" xmlns="" w="9525">
                   <a:solidFill>
                     <a:srgbClr val="000000"/>
                   </a:solidFill>
@@ -16300,7 +16302,7 @@
             </a:ln>
             <a:extLst>
               <a:ext uri="{91240B29-F687-4f45-9708-019B960494DF}">
-                <a14:hiddenLine xmlns="" xmlns:a14="http://schemas.microsoft.com/office/drawing/2010/main" w="9525">
+                <a14:hiddenLine xmlns:a14="http://schemas.microsoft.com/office/drawing/2010/main" xmlns="" w="9525">
                   <a:solidFill>
                     <a:srgbClr val="000000"/>
                   </a:solidFill>
@@ -16406,7 +16408,7 @@
             </a:ln>
             <a:extLst>
               <a:ext uri="{91240B29-F687-4f45-9708-019B960494DF}">
-                <a14:hiddenLine xmlns="" xmlns:a14="http://schemas.microsoft.com/office/drawing/2010/main" w="9525">
+                <a14:hiddenLine xmlns:a14="http://schemas.microsoft.com/office/drawing/2010/main" xmlns="" w="9525">
                   <a:solidFill>
                     <a:srgbClr val="000000"/>
                   </a:solidFill>
@@ -16522,7 +16524,7 @@
             </a:ln>
             <a:extLst>
               <a:ext uri="{91240B29-F687-4f45-9708-019B960494DF}">
-                <a14:hiddenLine xmlns="" xmlns:a14="http://schemas.microsoft.com/office/drawing/2010/main" w="9525">
+                <a14:hiddenLine xmlns:a14="http://schemas.microsoft.com/office/drawing/2010/main" xmlns="" w="9525">
                   <a:solidFill>
                     <a:srgbClr val="000000"/>
                   </a:solidFill>
@@ -16636,7 +16638,7 @@
             </a:ln>
             <a:extLst>
               <a:ext uri="{91240B29-F687-4f45-9708-019B960494DF}">
-                <a14:hiddenLine xmlns="" xmlns:a14="http://schemas.microsoft.com/office/drawing/2010/main" w="9525">
+                <a14:hiddenLine xmlns:a14="http://schemas.microsoft.com/office/drawing/2010/main" xmlns="" w="9525">
                   <a:solidFill>
                     <a:srgbClr val="000000"/>
                   </a:solidFill>
@@ -16734,7 +16736,7 @@
             </a:ln>
             <a:extLst>
               <a:ext uri="{91240B29-F687-4f45-9708-019B960494DF}">
-                <a14:hiddenLine xmlns="" xmlns:a14="http://schemas.microsoft.com/office/drawing/2010/main" w="9525">
+                <a14:hiddenLine xmlns:a14="http://schemas.microsoft.com/office/drawing/2010/main" xmlns="" w="9525">
                   <a:solidFill>
                     <a:srgbClr val="000000"/>
                   </a:solidFill>
@@ -16840,7 +16842,7 @@
             </a:ln>
             <a:extLst>
               <a:ext uri="{91240B29-F687-4f45-9708-019B960494DF}">
-                <a14:hiddenLine xmlns="" xmlns:a14="http://schemas.microsoft.com/office/drawing/2010/main" w="9525">
+                <a14:hiddenLine xmlns:a14="http://schemas.microsoft.com/office/drawing/2010/main" xmlns="" w="9525">
                   <a:solidFill>
                     <a:srgbClr val="000000"/>
                   </a:solidFill>
@@ -16938,7 +16940,7 @@
             </a:ln>
             <a:extLst>
               <a:ext uri="{91240B29-F687-4f45-9708-019B960494DF}">
-                <a14:hiddenLine xmlns="" xmlns:a14="http://schemas.microsoft.com/office/drawing/2010/main" w="9525">
+                <a14:hiddenLine xmlns:a14="http://schemas.microsoft.com/office/drawing/2010/main" xmlns="" w="9525">
                   <a:solidFill>
                     <a:srgbClr val="000000"/>
                   </a:solidFill>
@@ -17104,7 +17106,7 @@
             </a:ln>
             <a:extLst>
               <a:ext uri="{91240B29-F687-4f45-9708-019B960494DF}">
-                <a14:hiddenLine xmlns="" xmlns:a14="http://schemas.microsoft.com/office/drawing/2010/main" w="9525">
+                <a14:hiddenLine xmlns:a14="http://schemas.microsoft.com/office/drawing/2010/main" xmlns="" w="9525">
                   <a:solidFill>
                     <a:srgbClr val="000000"/>
                   </a:solidFill>
@@ -17210,7 +17212,7 @@
             </a:ln>
             <a:extLst>
               <a:ext uri="{91240B29-F687-4f45-9708-019B960494DF}">
-                <a14:hiddenLine xmlns="" xmlns:a14="http://schemas.microsoft.com/office/drawing/2010/main" w="9525">
+                <a14:hiddenLine xmlns:a14="http://schemas.microsoft.com/office/drawing/2010/main" xmlns="" w="9525">
                   <a:solidFill>
                     <a:srgbClr val="000000"/>
                   </a:solidFill>
@@ -17308,7 +17310,7 @@
             </a:ln>
             <a:extLst>
               <a:ext uri="{91240B29-F687-4f45-9708-019B960494DF}">
-                <a14:hiddenLine xmlns="" xmlns:a14="http://schemas.microsoft.com/office/drawing/2010/main" w="9525">
+                <a14:hiddenLine xmlns:a14="http://schemas.microsoft.com/office/drawing/2010/main" xmlns="" w="9525">
                   <a:solidFill>
                     <a:srgbClr val="000000"/>
                   </a:solidFill>
@@ -17406,7 +17408,7 @@
             </a:ln>
             <a:extLst>
               <a:ext uri="{91240B29-F687-4f45-9708-019B960494DF}">
-                <a14:hiddenLine xmlns="" xmlns:a14="http://schemas.microsoft.com/office/drawing/2010/main" w="9525">
+                <a14:hiddenLine xmlns:a14="http://schemas.microsoft.com/office/drawing/2010/main" xmlns="" w="9525">
                   <a:solidFill>
                     <a:srgbClr val="000000"/>
                   </a:solidFill>
@@ -17572,7 +17574,7 @@
             </a:ln>
             <a:extLst>
               <a:ext uri="{91240B29-F687-4f45-9708-019B960494DF}">
-                <a14:hiddenLine xmlns="" xmlns:a14="http://schemas.microsoft.com/office/drawing/2010/main" w="9525">
+                <a14:hiddenLine xmlns:a14="http://schemas.microsoft.com/office/drawing/2010/main" xmlns="" w="9525">
                   <a:solidFill>
                     <a:srgbClr val="000000"/>
                   </a:solidFill>
@@ -17678,7 +17680,7 @@
             </a:ln>
             <a:extLst>
               <a:ext uri="{91240B29-F687-4f45-9708-019B960494DF}">
-                <a14:hiddenLine xmlns="" xmlns:a14="http://schemas.microsoft.com/office/drawing/2010/main" w="9525">
+                <a14:hiddenLine xmlns:a14="http://schemas.microsoft.com/office/drawing/2010/main" xmlns="" w="9525">
                   <a:solidFill>
                     <a:srgbClr val="000000"/>
                   </a:solidFill>
@@ -17776,7 +17778,7 @@
             </a:ln>
             <a:extLst>
               <a:ext uri="{91240B29-F687-4f45-9708-019B960494DF}">
-                <a14:hiddenLine xmlns="" xmlns:a14="http://schemas.microsoft.com/office/drawing/2010/main" w="9525">
+                <a14:hiddenLine xmlns:a14="http://schemas.microsoft.com/office/drawing/2010/main" xmlns="" w="9525">
                   <a:solidFill>
                     <a:srgbClr val="000000"/>
                   </a:solidFill>
@@ -17970,7 +17972,7 @@
             </a:ln>
             <a:extLst>
               <a:ext uri="{91240B29-F687-4f45-9708-019B960494DF}">
-                <a14:hiddenLine xmlns="" xmlns:a14="http://schemas.microsoft.com/office/drawing/2010/main" w="9525">
+                <a14:hiddenLine xmlns:a14="http://schemas.microsoft.com/office/drawing/2010/main" xmlns="" w="9525">
                   <a:solidFill>
                     <a:srgbClr val="000000"/>
                   </a:solidFill>
@@ -18068,7 +18070,7 @@
             </a:ln>
             <a:extLst>
               <a:ext uri="{91240B29-F687-4f45-9708-019B960494DF}">
-                <a14:hiddenLine xmlns="" xmlns:a14="http://schemas.microsoft.com/office/drawing/2010/main" w="9525">
+                <a14:hiddenLine xmlns:a14="http://schemas.microsoft.com/office/drawing/2010/main" xmlns="" w="9525">
                   <a:solidFill>
                     <a:srgbClr val="000000"/>
                   </a:solidFill>
@@ -18174,7 +18176,7 @@
             </a:ln>
             <a:extLst>
               <a:ext uri="{91240B29-F687-4f45-9708-019B960494DF}">
-                <a14:hiddenLine xmlns="" xmlns:a14="http://schemas.microsoft.com/office/drawing/2010/main" w="9525">
+                <a14:hiddenLine xmlns:a14="http://schemas.microsoft.com/office/drawing/2010/main" xmlns="" w="9525">
                   <a:solidFill>
                     <a:srgbClr val="000000"/>
                   </a:solidFill>
@@ -18272,7 +18274,7 @@
             </a:ln>
             <a:extLst>
               <a:ext uri="{91240B29-F687-4f45-9708-019B960494DF}">
-                <a14:hiddenLine xmlns="" xmlns:a14="http://schemas.microsoft.com/office/drawing/2010/main" w="9525">
+                <a14:hiddenLine xmlns:a14="http://schemas.microsoft.com/office/drawing/2010/main" xmlns="" w="9525">
                   <a:solidFill>
                     <a:srgbClr val="000000"/>
                   </a:solidFill>
@@ -18378,7 +18380,7 @@
             </a:ln>
             <a:extLst>
               <a:ext uri="{91240B29-F687-4f45-9708-019B960494DF}">
-                <a14:hiddenLine xmlns="" xmlns:a14="http://schemas.microsoft.com/office/drawing/2010/main" w="9525">
+                <a14:hiddenLine xmlns:a14="http://schemas.microsoft.com/office/drawing/2010/main" xmlns="" w="9525">
                   <a:solidFill>
                     <a:srgbClr val="000000"/>
                   </a:solidFill>
@@ -18484,7 +18486,7 @@
             </a:ln>
             <a:extLst>
               <a:ext uri="{91240B29-F687-4f45-9708-019B960494DF}">
-                <a14:hiddenLine xmlns="" xmlns:a14="http://schemas.microsoft.com/office/drawing/2010/main" w="9525">
+                <a14:hiddenLine xmlns:a14="http://schemas.microsoft.com/office/drawing/2010/main" xmlns="" w="9525">
                   <a:solidFill>
                     <a:srgbClr val="000000"/>
                   </a:solidFill>
@@ -18582,7 +18584,7 @@
             </a:ln>
             <a:extLst>
               <a:ext uri="{91240B29-F687-4f45-9708-019B960494DF}">
-                <a14:hiddenLine xmlns="" xmlns:a14="http://schemas.microsoft.com/office/drawing/2010/main" w="9525">
+                <a14:hiddenLine xmlns:a14="http://schemas.microsoft.com/office/drawing/2010/main" xmlns="" w="9525">
                   <a:solidFill>
                     <a:srgbClr val="000000"/>
                   </a:solidFill>
@@ -18696,7 +18698,7 @@
             </a:ln>
             <a:extLst>
               <a:ext uri="{91240B29-F687-4f45-9708-019B960494DF}">
-                <a14:hiddenLine xmlns="" xmlns:a14="http://schemas.microsoft.com/office/drawing/2010/main" w="9525">
+                <a14:hiddenLine xmlns:a14="http://schemas.microsoft.com/office/drawing/2010/main" xmlns="" w="9525">
                   <a:solidFill>
                     <a:srgbClr val="000000"/>
                   </a:solidFill>
@@ -18812,7 +18814,7 @@
             </a:ln>
             <a:extLst>
               <a:ext uri="{91240B29-F687-4f45-9708-019B960494DF}">
-                <a14:hiddenLine xmlns="" xmlns:a14="http://schemas.microsoft.com/office/drawing/2010/main" w="9525">
+                <a14:hiddenLine xmlns:a14="http://schemas.microsoft.com/office/drawing/2010/main" xmlns="" w="9525">
                   <a:solidFill>
                     <a:srgbClr val="000000"/>
                   </a:solidFill>
@@ -18916,7 +18918,7 @@
             </a:ln>
             <a:extLst>
               <a:ext uri="{91240B29-F687-4f45-9708-019B960494DF}">
-                <a14:hiddenLine xmlns="" xmlns:a14="http://schemas.microsoft.com/office/drawing/2010/main" w="9525">
+                <a14:hiddenLine xmlns:a14="http://schemas.microsoft.com/office/drawing/2010/main" xmlns="" w="9525">
                   <a:solidFill>
                     <a:srgbClr val="000000"/>
                   </a:solidFill>
@@ -19102,7 +19104,7 @@
             </a:ln>
             <a:extLst>
               <a:ext uri="{91240B29-F687-4f45-9708-019B960494DF}">
-                <a14:hiddenLine xmlns="" xmlns:a14="http://schemas.microsoft.com/office/drawing/2010/main" w="9525">
+                <a14:hiddenLine xmlns:a14="http://schemas.microsoft.com/office/drawing/2010/main" xmlns="" w="9525">
                   <a:solidFill>
                     <a:srgbClr val="000000"/>
                   </a:solidFill>
@@ -19318,7 +19320,7 @@
             </a:ln>
             <a:extLst>
               <a:ext uri="{91240B29-F687-4f45-9708-019B960494DF}">
-                <a14:hiddenLine xmlns="" xmlns:a14="http://schemas.microsoft.com/office/drawing/2010/main" w="9525">
+                <a14:hiddenLine xmlns:a14="http://schemas.microsoft.com/office/drawing/2010/main" xmlns="" w="9525">
                   <a:solidFill>
                     <a:srgbClr val="000000"/>
                   </a:solidFill>
@@ -19424,7 +19426,7 @@
             </a:ln>
             <a:extLst>
               <a:ext uri="{91240B29-F687-4f45-9708-019B960494DF}">
-                <a14:hiddenLine xmlns="" xmlns:a14="http://schemas.microsoft.com/office/drawing/2010/main" w="9525">
+                <a14:hiddenLine xmlns:a14="http://schemas.microsoft.com/office/drawing/2010/main" xmlns="" w="9525">
                   <a:solidFill>
                     <a:srgbClr val="000000"/>
                   </a:solidFill>
@@ -19530,7 +19532,7 @@
             </a:ln>
             <a:extLst>
               <a:ext uri="{91240B29-F687-4f45-9708-019B960494DF}">
-                <a14:hiddenLine xmlns="" xmlns:a14="http://schemas.microsoft.com/office/drawing/2010/main" w="9525">
+                <a14:hiddenLine xmlns:a14="http://schemas.microsoft.com/office/drawing/2010/main" xmlns="" w="9525">
                   <a:solidFill>
                     <a:srgbClr val="000000"/>
                   </a:solidFill>
@@ -19636,7 +19638,7 @@
             </a:ln>
             <a:extLst>
               <a:ext uri="{91240B29-F687-4f45-9708-019B960494DF}">
-                <a14:hiddenLine xmlns="" xmlns:a14="http://schemas.microsoft.com/office/drawing/2010/main" w="9525">
+                <a14:hiddenLine xmlns:a14="http://schemas.microsoft.com/office/drawing/2010/main" xmlns="" w="9525">
                   <a:solidFill>
                     <a:srgbClr val="000000"/>
                   </a:solidFill>
@@ -19742,7 +19744,7 @@
             </a:ln>
             <a:extLst>
               <a:ext uri="{91240B29-F687-4f45-9708-019B960494DF}">
-                <a14:hiddenLine xmlns="" xmlns:a14="http://schemas.microsoft.com/office/drawing/2010/main" w="9525">
+                <a14:hiddenLine xmlns:a14="http://schemas.microsoft.com/office/drawing/2010/main" xmlns="" w="9525">
                   <a:solidFill>
                     <a:srgbClr val="000000"/>
                   </a:solidFill>
@@ -19848,7 +19850,7 @@
             </a:ln>
             <a:extLst>
               <a:ext uri="{91240B29-F687-4f45-9708-019B960494DF}">
-                <a14:hiddenLine xmlns="" xmlns:a14="http://schemas.microsoft.com/office/drawing/2010/main" w="9525">
+                <a14:hiddenLine xmlns:a14="http://schemas.microsoft.com/office/drawing/2010/main" xmlns="" w="9525">
                   <a:solidFill>
                     <a:srgbClr val="000000"/>
                   </a:solidFill>
@@ -19962,7 +19964,7 @@
             </a:ln>
             <a:extLst>
               <a:ext uri="{91240B29-F687-4f45-9708-019B960494DF}">
-                <a14:hiddenLine xmlns="" xmlns:a14="http://schemas.microsoft.com/office/drawing/2010/main" w="9525">
+                <a14:hiddenLine xmlns:a14="http://schemas.microsoft.com/office/drawing/2010/main" xmlns="" w="9525">
                   <a:solidFill>
                     <a:srgbClr val="000000"/>
                   </a:solidFill>
@@ -20068,7 +20070,7 @@
             </a:ln>
             <a:extLst>
               <a:ext uri="{91240B29-F687-4f45-9708-019B960494DF}">
-                <a14:hiddenLine xmlns="" xmlns:a14="http://schemas.microsoft.com/office/drawing/2010/main" w="9525">
+                <a14:hiddenLine xmlns:a14="http://schemas.microsoft.com/office/drawing/2010/main" xmlns="" w="9525">
                   <a:solidFill>
                     <a:srgbClr val="000000"/>
                   </a:solidFill>
@@ -20192,7 +20194,7 @@
             </a:ln>
             <a:extLst>
               <a:ext uri="{91240B29-F687-4f45-9708-019B960494DF}">
-                <a14:hiddenLine xmlns="" xmlns:a14="http://schemas.microsoft.com/office/drawing/2010/main" w="9525">
+                <a14:hiddenLine xmlns:a14="http://schemas.microsoft.com/office/drawing/2010/main" xmlns="" w="9525">
                   <a:solidFill>
                     <a:srgbClr val="000000"/>
                   </a:solidFill>
@@ -20386,7 +20388,7 @@
             </a:ln>
             <a:extLst>
               <a:ext uri="{91240B29-F687-4f45-9708-019B960494DF}">
-                <a14:hiddenLine xmlns="" xmlns:a14="http://schemas.microsoft.com/office/drawing/2010/main" w="9525">
+                <a14:hiddenLine xmlns:a14="http://schemas.microsoft.com/office/drawing/2010/main" xmlns="" w="9525">
                   <a:solidFill>
                     <a:srgbClr val="000000"/>
                   </a:solidFill>
@@ -20492,7 +20494,7 @@
             </a:ln>
             <a:extLst>
               <a:ext uri="{91240B29-F687-4f45-9708-019B960494DF}">
-                <a14:hiddenLine xmlns="" xmlns:a14="http://schemas.microsoft.com/office/drawing/2010/main" w="9525">
+                <a14:hiddenLine xmlns:a14="http://schemas.microsoft.com/office/drawing/2010/main" xmlns="" w="9525">
                   <a:solidFill>
                     <a:srgbClr val="000000"/>
                   </a:solidFill>
@@ -20598,7 +20600,7 @@
             </a:ln>
             <a:extLst>
               <a:ext uri="{91240B29-F687-4f45-9708-019B960494DF}">
-                <a14:hiddenLine xmlns="" xmlns:a14="http://schemas.microsoft.com/office/drawing/2010/main" w="9525">
+                <a14:hiddenLine xmlns:a14="http://schemas.microsoft.com/office/drawing/2010/main" xmlns="" w="9525">
                   <a:solidFill>
                     <a:srgbClr val="000000"/>
                   </a:solidFill>
@@ -20696,7 +20698,7 @@
             </a:ln>
             <a:extLst>
               <a:ext uri="{91240B29-F687-4f45-9708-019B960494DF}">
-                <a14:hiddenLine xmlns="" xmlns:a14="http://schemas.microsoft.com/office/drawing/2010/main" w="9525">
+                <a14:hiddenLine xmlns:a14="http://schemas.microsoft.com/office/drawing/2010/main" xmlns="" w="9525">
                   <a:solidFill>
                     <a:srgbClr val="000000"/>
                   </a:solidFill>
@@ -20794,7 +20796,7 @@
             </a:ln>
             <a:extLst>
               <a:ext uri="{91240B29-F687-4f45-9708-019B960494DF}">
-                <a14:hiddenLine xmlns="" xmlns:a14="http://schemas.microsoft.com/office/drawing/2010/main" w="9525">
+                <a14:hiddenLine xmlns:a14="http://schemas.microsoft.com/office/drawing/2010/main" xmlns="" w="9525">
                   <a:solidFill>
                     <a:srgbClr val="000000"/>
                   </a:solidFill>
@@ -20918,7 +20920,7 @@
             </a:ln>
             <a:extLst>
               <a:ext uri="{91240B29-F687-4f45-9708-019B960494DF}">
-                <a14:hiddenLine xmlns="" xmlns:a14="http://schemas.microsoft.com/office/drawing/2010/main" w="9525">
+                <a14:hiddenLine xmlns:a14="http://schemas.microsoft.com/office/drawing/2010/main" xmlns="" w="9525">
                   <a:solidFill>
                     <a:srgbClr val="000000"/>
                   </a:solidFill>
@@ -21064,7 +21066,7 @@
             </a:ln>
             <a:extLst>
               <a:ext uri="{91240B29-F687-4f45-9708-019B960494DF}">
-                <a14:hiddenLine xmlns="" xmlns:a14="http://schemas.microsoft.com/office/drawing/2010/main" w="9525">
+                <a14:hiddenLine xmlns:a14="http://schemas.microsoft.com/office/drawing/2010/main" xmlns="" w="9525">
                   <a:solidFill>
                     <a:srgbClr val="000000"/>
                   </a:solidFill>
@@ -21111,7 +21113,7 @@
             </a:ln>
             <a:extLst>
               <a:ext uri="{91240B29-F687-4f45-9708-019B960494DF}">
-                <a14:hiddenLine xmlns="" xmlns:a14="http://schemas.microsoft.com/office/drawing/2010/main" w="9525">
+                <a14:hiddenLine xmlns:a14="http://schemas.microsoft.com/office/drawing/2010/main" xmlns="" w="9525">
                   <a:solidFill>
                     <a:srgbClr val="000000"/>
                   </a:solidFill>
@@ -21158,7 +21160,7 @@
             </a:ln>
             <a:extLst>
               <a:ext uri="{91240B29-F687-4f45-9708-019B960494DF}">
-                <a14:hiddenLine xmlns="" xmlns:a14="http://schemas.microsoft.com/office/drawing/2010/main" w="9525">
+                <a14:hiddenLine xmlns:a14="http://schemas.microsoft.com/office/drawing/2010/main" xmlns="" w="9525">
                   <a:solidFill>
                     <a:srgbClr val="000000"/>
                   </a:solidFill>
@@ -21252,7 +21254,7 @@
             </a:ln>
             <a:extLst>
               <a:ext uri="{91240B29-F687-4f45-9708-019B960494DF}">
-                <a14:hiddenLine xmlns="" xmlns:a14="http://schemas.microsoft.com/office/drawing/2010/main" w="9525">
+                <a14:hiddenLine xmlns:a14="http://schemas.microsoft.com/office/drawing/2010/main" xmlns="" w="9525">
                   <a:solidFill>
                     <a:srgbClr val="000000"/>
                   </a:solidFill>
@@ -21346,7 +21348,7 @@
             </a:ln>
             <a:extLst>
               <a:ext uri="{91240B29-F687-4f45-9708-019B960494DF}">
-                <a14:hiddenLine xmlns="" xmlns:a14="http://schemas.microsoft.com/office/drawing/2010/main" w="9525">
+                <a14:hiddenLine xmlns:a14="http://schemas.microsoft.com/office/drawing/2010/main" xmlns="" w="9525">
                   <a:solidFill>
                     <a:srgbClr val="000000"/>
                   </a:solidFill>
@@ -23745,8 +23747,13 @@
             </a:pPr>
             <a:r>
               <a:rPr lang="en-US" sz="3200" dirty="0" smtClean="0"/>
-              <a:t>APIs for data</a:t>
+              <a:t>APIs for data, native </a:t>
             </a:r>
+            <a:r>
+              <a:rPr lang="en-US" sz="3200" smtClean="0"/>
+              <a:t>and popular</a:t>
+            </a:r>
+            <a:endParaRPr lang="en-US" sz="3200" dirty="0" smtClean="0"/>
           </a:p>
           <a:p>
             <a:pPr marL="514350" indent="-514350">
@@ -25057,6 +25064,212 @@
                       </p:childTnLst>
                     </p:cTn>
                   </p:par>
+                  <p:par>
+                    <p:cTn id="24" fill="hold">
+                      <p:stCondLst>
+                        <p:cond delay="indefinite"/>
+                      </p:stCondLst>
+                      <p:childTnLst>
+                        <p:par>
+                          <p:cTn id="25" fill="hold">
+                            <p:stCondLst>
+                              <p:cond delay="0"/>
+                            </p:stCondLst>
+                            <p:childTnLst>
+                              <p:par>
+                                <p:cTn id="26" presetID="2" presetClass="entr" presetSubtype="4" fill="hold" grpId="0" nodeType="clickEffect">
+                                  <p:stCondLst>
+                                    <p:cond delay="0"/>
+                                  </p:stCondLst>
+                                  <p:childTnLst>
+                                    <p:set>
+                                      <p:cBhvr>
+                                        <p:cTn id="27" dur="1" fill="hold">
+                                          <p:stCondLst>
+                                            <p:cond delay="0"/>
+                                          </p:stCondLst>
+                                        </p:cTn>
+                                        <p:tgtEl>
+                                          <p:spTgt spid="3">
+                                            <p:txEl>
+                                              <p:pRg st="6" end="6"/>
+                                            </p:txEl>
+                                          </p:spTgt>
+                                        </p:tgtEl>
+                                        <p:attrNameLst>
+                                          <p:attrName>style.visibility</p:attrName>
+                                        </p:attrNameLst>
+                                      </p:cBhvr>
+                                      <p:to>
+                                        <p:strVal val="visible"/>
+                                      </p:to>
+                                    </p:set>
+                                    <p:anim calcmode="lin" valueType="num">
+                                      <p:cBhvr additive="base">
+                                        <p:cTn id="28" dur="500" fill="hold"/>
+                                        <p:tgtEl>
+                                          <p:spTgt spid="3">
+                                            <p:txEl>
+                                              <p:pRg st="6" end="6"/>
+                                            </p:txEl>
+                                          </p:spTgt>
+                                        </p:tgtEl>
+                                        <p:attrNameLst>
+                                          <p:attrName>ppt_x</p:attrName>
+                                        </p:attrNameLst>
+                                      </p:cBhvr>
+                                      <p:tavLst>
+                                        <p:tav tm="0">
+                                          <p:val>
+                                            <p:strVal val="#ppt_x"/>
+                                          </p:val>
+                                        </p:tav>
+                                        <p:tav tm="100000">
+                                          <p:val>
+                                            <p:strVal val="#ppt_x"/>
+                                          </p:val>
+                                        </p:tav>
+                                      </p:tavLst>
+                                    </p:anim>
+                                    <p:anim calcmode="lin" valueType="num">
+                                      <p:cBhvr additive="base">
+                                        <p:cTn id="29" dur="500" fill="hold"/>
+                                        <p:tgtEl>
+                                          <p:spTgt spid="3">
+                                            <p:txEl>
+                                              <p:pRg st="6" end="6"/>
+                                            </p:txEl>
+                                          </p:spTgt>
+                                        </p:tgtEl>
+                                        <p:attrNameLst>
+                                          <p:attrName>ppt_y</p:attrName>
+                                        </p:attrNameLst>
+                                      </p:cBhvr>
+                                      <p:tavLst>
+                                        <p:tav tm="0">
+                                          <p:val>
+                                            <p:strVal val="1+#ppt_h/2"/>
+                                          </p:val>
+                                        </p:tav>
+                                        <p:tav tm="100000">
+                                          <p:val>
+                                            <p:strVal val="#ppt_y"/>
+                                          </p:val>
+                                        </p:tav>
+                                      </p:tavLst>
+                                    </p:anim>
+                                  </p:childTnLst>
+                                </p:cTn>
+                              </p:par>
+                            </p:childTnLst>
+                          </p:cTn>
+                        </p:par>
+                      </p:childTnLst>
+                    </p:cTn>
+                  </p:par>
+                  <p:par>
+                    <p:cTn id="30" fill="hold">
+                      <p:stCondLst>
+                        <p:cond delay="indefinite"/>
+                      </p:stCondLst>
+                      <p:childTnLst>
+                        <p:par>
+                          <p:cTn id="31" fill="hold">
+                            <p:stCondLst>
+                              <p:cond delay="0"/>
+                            </p:stCondLst>
+                            <p:childTnLst>
+                              <p:par>
+                                <p:cTn id="32" presetID="2" presetClass="entr" presetSubtype="4" fill="hold" grpId="0" nodeType="clickEffect">
+                                  <p:stCondLst>
+                                    <p:cond delay="0"/>
+                                  </p:stCondLst>
+                                  <p:childTnLst>
+                                    <p:set>
+                                      <p:cBhvr>
+                                        <p:cTn id="33" dur="1" fill="hold">
+                                          <p:stCondLst>
+                                            <p:cond delay="0"/>
+                                          </p:stCondLst>
+                                        </p:cTn>
+                                        <p:tgtEl>
+                                          <p:spTgt spid="3">
+                                            <p:txEl>
+                                              <p:pRg st="7" end="7"/>
+                                            </p:txEl>
+                                          </p:spTgt>
+                                        </p:tgtEl>
+                                        <p:attrNameLst>
+                                          <p:attrName>style.visibility</p:attrName>
+                                        </p:attrNameLst>
+                                      </p:cBhvr>
+                                      <p:to>
+                                        <p:strVal val="visible"/>
+                                      </p:to>
+                                    </p:set>
+                                    <p:anim calcmode="lin" valueType="num">
+                                      <p:cBhvr additive="base">
+                                        <p:cTn id="34" dur="500" fill="hold"/>
+                                        <p:tgtEl>
+                                          <p:spTgt spid="3">
+                                            <p:txEl>
+                                              <p:pRg st="7" end="7"/>
+                                            </p:txEl>
+                                          </p:spTgt>
+                                        </p:tgtEl>
+                                        <p:attrNameLst>
+                                          <p:attrName>ppt_x</p:attrName>
+                                        </p:attrNameLst>
+                                      </p:cBhvr>
+                                      <p:tavLst>
+                                        <p:tav tm="0">
+                                          <p:val>
+                                            <p:strVal val="#ppt_x"/>
+                                          </p:val>
+                                        </p:tav>
+                                        <p:tav tm="100000">
+                                          <p:val>
+                                            <p:strVal val="#ppt_x"/>
+                                          </p:val>
+                                        </p:tav>
+                                      </p:tavLst>
+                                    </p:anim>
+                                    <p:anim calcmode="lin" valueType="num">
+                                      <p:cBhvr additive="base">
+                                        <p:cTn id="35" dur="500" fill="hold"/>
+                                        <p:tgtEl>
+                                          <p:spTgt spid="3">
+                                            <p:txEl>
+                                              <p:pRg st="7" end="7"/>
+                                            </p:txEl>
+                                          </p:spTgt>
+                                        </p:tgtEl>
+                                        <p:attrNameLst>
+                                          <p:attrName>ppt_y</p:attrName>
+                                        </p:attrNameLst>
+                                      </p:cBhvr>
+                                      <p:tavLst>
+                                        <p:tav tm="0">
+                                          <p:val>
+                                            <p:strVal val="1+#ppt_h/2"/>
+                                          </p:val>
+                                        </p:tav>
+                                        <p:tav tm="100000">
+                                          <p:val>
+                                            <p:strVal val="#ppt_y"/>
+                                          </p:val>
+                                        </p:tav>
+                                      </p:tavLst>
+                                    </p:anim>
+                                  </p:childTnLst>
+                                </p:cTn>
+                              </p:par>
+                            </p:childTnLst>
+                          </p:cTn>
+                        </p:par>
+                      </p:childTnLst>
+                    </p:cTn>
+                  </p:par>
                 </p:childTnLst>
               </p:cTn>
               <p:prevCondLst>
@@ -25078,6 +25291,9 @@
         </p:cTn>
       </p:par>
     </p:tnLst>
+    <p:bldLst>
+      <p:bldP spid="3" grpId="0" build="p"/>
+    </p:bldLst>
   </p:timing>
 </p:sld>
 </file>
@@ -25636,6 +25852,210 @@
 </file>
 
 <file path=ppt/slides/slide22.xml><?xml version="1.0" encoding="utf-8"?>
+<p:sld xmlns:a="http://schemas.openxmlformats.org/drawingml/2006/main" xmlns:r="http://schemas.openxmlformats.org/officeDocument/2006/relationships" xmlns:p="http://schemas.openxmlformats.org/presentationml/2006/main">
+  <p:cSld>
+    <p:spTree>
+      <p:nvGrpSpPr>
+        <p:cNvPr id="1" name=""/>
+        <p:cNvGrpSpPr/>
+        <p:nvPr/>
+      </p:nvGrpSpPr>
+      <p:grpSpPr>
+        <a:xfrm>
+          <a:off x="0" y="0"/>
+          <a:ext cx="0" cy="0"/>
+          <a:chOff x="0" y="0"/>
+          <a:chExt cx="0" cy="0"/>
+        </a:xfrm>
+      </p:grpSpPr>
+      <p:sp>
+        <p:nvSpPr>
+          <p:cNvPr id="2" name="Title 1"/>
+          <p:cNvSpPr>
+            <a:spLocks noGrp="1"/>
+          </p:cNvSpPr>
+          <p:nvPr>
+            <p:ph type="title"/>
+          </p:nvPr>
+        </p:nvSpPr>
+        <p:spPr/>
+        <p:txBody>
+          <a:bodyPr/>
+          <a:lstStyle/>
+          <a:p>
+            <a:r>
+              <a:rPr lang="en-US" dirty="0" smtClean="0"/>
+              <a:t>Quick reference</a:t>
+            </a:r>
+            <a:endParaRPr lang="en-US" dirty="0"/>
+          </a:p>
+        </p:txBody>
+      </p:sp>
+      <p:sp>
+        <p:nvSpPr>
+          <p:cNvPr id="3" name="Text Placeholder 2"/>
+          <p:cNvSpPr>
+            <a:spLocks noGrp="1"/>
+          </p:cNvSpPr>
+          <p:nvPr>
+            <p:ph type="body" sz="quarter" idx="10"/>
+          </p:nvPr>
+        </p:nvSpPr>
+        <p:spPr>
+          <a:xfrm>
+            <a:off x="274702" y="1211287"/>
+            <a:ext cx="11888787" cy="5281446"/>
+          </a:xfrm>
+        </p:spPr>
+        <p:txBody>
+          <a:bodyPr/>
+          <a:lstStyle/>
+          <a:p>
+            <a:r>
+              <a:rPr lang="en-US" sz="3200" dirty="0" smtClean="0"/>
+              <a:t>GitHub repository</a:t>
+            </a:r>
+          </a:p>
+          <a:p>
+            <a:pPr lvl="1"/>
+            <a:r>
+              <a:rPr lang="en-US" sz="2400" dirty="0">
+                <a:hlinkClick r:id="rId2"/>
+              </a:rPr>
+              <a:t>https://</a:t>
+            </a:r>
+            <a:r>
+              <a:rPr lang="en-US" sz="2400" dirty="0" smtClean="0">
+                <a:hlinkClick r:id="rId2"/>
+              </a:rPr>
+              <a:t>github.com/Ratomir/MSNETWORK-18</a:t>
+            </a:r>
+            <a:endParaRPr lang="en-US" sz="2400" dirty="0" smtClean="0"/>
+          </a:p>
+          <a:p>
+            <a:r>
+              <a:rPr lang="en-US" sz="3200" dirty="0" smtClean="0"/>
+              <a:t>Introduction to Azure Cosmos DB</a:t>
+            </a:r>
+          </a:p>
+          <a:p>
+            <a:pPr lvl="1"/>
+            <a:r>
+              <a:rPr lang="en-US" sz="2400" dirty="0">
+                <a:hlinkClick r:id="rId3"/>
+              </a:rPr>
+              <a:t>https://</a:t>
+            </a:r>
+            <a:r>
+              <a:rPr lang="en-US" sz="2400" dirty="0" smtClean="0">
+                <a:hlinkClick r:id="rId3"/>
+              </a:rPr>
+              <a:t>docs.microsoft.com/en-us/azure/cosmos-db/introduction</a:t>
+            </a:r>
+            <a:endParaRPr lang="en-US" sz="2400" dirty="0" smtClean="0"/>
+          </a:p>
+          <a:p>
+            <a:r>
+              <a:rPr lang="en-US" sz="3200" dirty="0" smtClean="0"/>
+              <a:t>The most use cases with Azure Cosmos DB</a:t>
+            </a:r>
+          </a:p>
+          <a:p>
+            <a:pPr lvl="1"/>
+            <a:r>
+              <a:rPr lang="en-US" sz="2400" dirty="0">
+                <a:hlinkClick r:id="rId4"/>
+              </a:rPr>
+              <a:t>https://</a:t>
+            </a:r>
+            <a:r>
+              <a:rPr lang="en-US" sz="2400" dirty="0" smtClean="0">
+                <a:hlinkClick r:id="rId4"/>
+              </a:rPr>
+              <a:t>docs.microsoft.com/en-us/azure/cosmos-db/use-cases</a:t>
+            </a:r>
+            <a:r>
+              <a:rPr lang="en-US" sz="2400" dirty="0" smtClean="0"/>
+              <a:t> </a:t>
+            </a:r>
+          </a:p>
+          <a:p>
+            <a:r>
+              <a:rPr lang="en-US" sz="3200" dirty="0" smtClean="0"/>
+              <a:t>Technical overview</a:t>
+            </a:r>
+          </a:p>
+          <a:p>
+            <a:pPr lvl="1"/>
+            <a:r>
+              <a:rPr lang="en-US" sz="2400" dirty="0">
+                <a:hlinkClick r:id="rId5"/>
+              </a:rPr>
+              <a:t>https://azure.microsoft.com/en-us/blog/a-technical-overview-of-azure-cosmos-db</a:t>
+            </a:r>
+            <a:r>
+              <a:rPr lang="en-US" sz="2400" dirty="0" smtClean="0">
+                <a:hlinkClick r:id="rId5"/>
+              </a:rPr>
+              <a:t>/</a:t>
+            </a:r>
+            <a:r>
+              <a:rPr lang="en-US" sz="2400" dirty="0" smtClean="0"/>
+              <a:t> </a:t>
+            </a:r>
+            <a:endParaRPr lang="en-US" sz="2400" dirty="0"/>
+          </a:p>
+          <a:p>
+            <a:r>
+              <a:rPr lang="en-US" sz="3200" dirty="0" smtClean="0"/>
+              <a:t>YouTube playlist, importing data from MSSQL and JSON data set</a:t>
+            </a:r>
+          </a:p>
+          <a:p>
+            <a:pPr lvl="1"/>
+            <a:r>
+              <a:rPr lang="en-US">
+                <a:hlinkClick r:id="rId6"/>
+              </a:rPr>
+              <a:t>https</a:t>
+            </a:r>
+            <a:r>
+              <a:rPr lang="en-US">
+                <a:hlinkClick r:id="rId6"/>
+              </a:rPr>
+              <a:t>://</a:t>
+            </a:r>
+            <a:r>
+              <a:rPr lang="en-US" smtClean="0">
+                <a:hlinkClick r:id="rId6"/>
+              </a:rPr>
+              <a:t>www.youtube.com/playlist?list=PLHbxRceQ8-1z_zvJ7ldJ5-IEdyw1e3Ea2</a:t>
+            </a:r>
+            <a:r>
+              <a:rPr lang="en-US" smtClean="0"/>
+              <a:t> </a:t>
+            </a:r>
+            <a:endParaRPr lang="en-US" dirty="0" smtClean="0"/>
+          </a:p>
+        </p:txBody>
+      </p:sp>
+    </p:spTree>
+    <p:extLst>
+      <p:ext uri="{BB962C8B-B14F-4D97-AF65-F5344CB8AC3E}">
+        <p14:creationId xmlns:p14="http://schemas.microsoft.com/office/powerpoint/2010/main" val="2402174004"/>
+      </p:ext>
+    </p:extLst>
+  </p:cSld>
+  <p:clrMapOvr>
+    <a:masterClrMapping/>
+  </p:clrMapOvr>
+  <p:transition>
+    <p:fade/>
+  </p:transition>
+</p:sld>
+</file>
+
+<file path=ppt/slides/slide23.xml><?xml version="1.0" encoding="utf-8"?>
 <p:sld xmlns:a="http://schemas.openxmlformats.org/drawingml/2006/main" xmlns:r="http://schemas.openxmlformats.org/officeDocument/2006/relationships" xmlns:p="http://schemas.openxmlformats.org/presentationml/2006/main">
   <p:cSld>
     <p:spTree>
@@ -26307,11 +26727,7 @@
           <a:p>
             <a:r>
               <a:rPr lang="en-US" dirty="0" smtClean="0"/>
-              <a:t>Model </a:t>
-            </a:r>
-            <a:r>
-              <a:rPr lang="en-US" dirty="0" smtClean="0"/>
-              <a:t>database</a:t>
+              <a:t>Model database</a:t>
             </a:r>
           </a:p>
           <a:p>
@@ -27479,6 +27895,12 @@
 </file>
 
 <file path=customXml/item2.xml><?xml version="1.0" encoding="utf-8"?>
+<p:properties xmlns:p="http://schemas.microsoft.com/office/2006/metadata/properties" xmlns:xsi="http://www.w3.org/2001/XMLSchema-instance" xmlns:pc="http://schemas.microsoft.com/office/infopath/2007/PartnerControls">
+  <documentManagement/>
+</p:properties>
+</file>
+
+<file path=customXml/item3.xml><?xml version="1.0" encoding="utf-8"?>
 <ct:contentTypeSchema xmlns:ct="http://schemas.microsoft.com/office/2006/metadata/contentType" xmlns:ma="http://schemas.microsoft.com/office/2006/metadata/properties/metaAttributes" ct:_="" ma:_="" ma:contentTypeName="Document" ma:contentTypeID="0x010100A2B0BB5962AB3C45A9A1CE1EC4C4F647" ma:contentTypeVersion="3" ma:contentTypeDescription="Create a new document." ma:contentTypeScope="" ma:versionID="f0876370c90de824ab54c09b0bd2a056">
   <xsd:schema xmlns:xsd="http://www.w3.org/2001/XMLSchema" xmlns:xs="http://www.w3.org/2001/XMLSchema" xmlns:p="http://schemas.microsoft.com/office/2006/metadata/properties" xmlns:ns3="630a2e83-186a-4a0f-ab27-bee8a8096abc" targetNamespace="http://schemas.microsoft.com/office/2006/metadata/properties" ma:root="true" ma:fieldsID="a2a3b5ed8b4accd7c8a398d0cb075271" ns3:_="">
     <xsd:import namespace="630a2e83-186a-4a0f-ab27-bee8a8096abc"/>
@@ -27632,12 +28054,6 @@
 </ct:contentTypeSchema>
 </file>
 
-<file path=customXml/item3.xml><?xml version="1.0" encoding="utf-8"?>
-<p:properties xmlns:p="http://schemas.microsoft.com/office/2006/metadata/properties" xmlns:xsi="http://www.w3.org/2001/XMLSchema-instance" xmlns:pc="http://schemas.microsoft.com/office/infopath/2007/PartnerControls">
-  <documentManagement/>
-</p:properties>
-</file>
-
 <file path=customXml/itemProps1.xml><?xml version="1.0" encoding="utf-8"?>
 <ds:datastoreItem xmlns:ds="http://schemas.openxmlformats.org/officeDocument/2006/customXml" ds:itemID="{758FDAC0-319D-4A54-8D8E-1D42CB1F8004}">
   <ds:schemaRefs>
@@ -27647,6 +28063,22 @@
 </file>
 
 <file path=customXml/itemProps2.xml><?xml version="1.0" encoding="utf-8"?>
+<ds:datastoreItem xmlns:ds="http://schemas.openxmlformats.org/officeDocument/2006/customXml" ds:itemID="{F990F116-B58F-4255-B05B-DA3808E0E5C6}">
+  <ds:schemaRefs>
+    <ds:schemaRef ds:uri="http://purl.org/dc/terms/"/>
+    <ds:schemaRef ds:uri="http://schemas.openxmlformats.org/package/2006/metadata/core-properties"/>
+    <ds:schemaRef ds:uri="http://schemas.microsoft.com/office/2006/documentManagement/types"/>
+    <ds:schemaRef ds:uri="http://purl.org/dc/dcmitype/"/>
+    <ds:schemaRef ds:uri="http://schemas.microsoft.com/office/infopath/2007/PartnerControls"/>
+    <ds:schemaRef ds:uri="http://purl.org/dc/elements/1.1/"/>
+    <ds:schemaRef ds:uri="http://schemas.microsoft.com/office/2006/metadata/properties"/>
+    <ds:schemaRef ds:uri="630a2e83-186a-4a0f-ab27-bee8a8096abc"/>
+    <ds:schemaRef ds:uri="http://www.w3.org/XML/1998/namespace"/>
+  </ds:schemaRefs>
+</ds:datastoreItem>
+</file>
+
+<file path=customXml/itemProps3.xml><?xml version="1.0" encoding="utf-8"?>
 <ds:datastoreItem xmlns:ds="http://schemas.openxmlformats.org/officeDocument/2006/customXml" ds:itemID="{F330841A-A209-44E7-824E-9DDB4DE0DC3C}">
   <ds:schemaRefs>
     <ds:schemaRef ds:uri="http://schemas.microsoft.com/office/2006/metadata/contentType"/>
@@ -27662,20 +28094,4 @@
     <ds:schemaRef ds:uri="http://schemas.microsoft.com/internal/obd"/>
   </ds:schemaRefs>
 </ds:datastoreItem>
-</file>
-
-<file path=customXml/itemProps3.xml><?xml version="1.0" encoding="utf-8"?>
-<ds:datastoreItem xmlns:ds="http://schemas.openxmlformats.org/officeDocument/2006/customXml" ds:itemID="{F990F116-B58F-4255-B05B-DA3808E0E5C6}">
-  <ds:schemaRefs>
-    <ds:schemaRef ds:uri="http://purl.org/dc/terms/"/>
-    <ds:schemaRef ds:uri="http://schemas.openxmlformats.org/package/2006/metadata/core-properties"/>
-    <ds:schemaRef ds:uri="http://schemas.microsoft.com/office/2006/documentManagement/types"/>
-    <ds:schemaRef ds:uri="http://purl.org/dc/dcmitype/"/>
-    <ds:schemaRef ds:uri="http://schemas.microsoft.com/office/infopath/2007/PartnerControls"/>
-    <ds:schemaRef ds:uri="http://purl.org/dc/elements/1.1/"/>
-    <ds:schemaRef ds:uri="http://schemas.microsoft.com/office/2006/metadata/properties"/>
-    <ds:schemaRef ds:uri="630a2e83-186a-4a0f-ab27-bee8a8096abc"/>
-    <ds:schemaRef ds:uri="http://www.w3.org/XML/1998/namespace"/>
-  </ds:schemaRefs>
-</ds:datastoreItem>
 </file>